--- a/Documentos/Banner/Projeto Interdisciplinar - Modelo Poster_print.pptx
+++ b/Documentos/Banner/Projeto Interdisciplinar - Modelo Poster_print.pptx
@@ -304,7 +304,7 @@
           <a:p>
             <a:fld id="{848ED374-9BF1-45B8-B3D6-8E8C3556B9A5}" type="datetimeFigureOut">
               <a:rPr lang="pt-BR" smtClean="0"/>
-              <a:t>26/06/2016</a:t>
+              <a:t>27/06/2016</a:t>
             </a:fld>
             <a:endParaRPr lang="pt-BR"/>
           </a:p>
@@ -469,7 +469,7 @@
           <a:p>
             <a:fld id="{848ED374-9BF1-45B8-B3D6-8E8C3556B9A5}" type="datetimeFigureOut">
               <a:rPr lang="pt-BR" smtClean="0"/>
-              <a:t>26/06/2016</a:t>
+              <a:t>27/06/2016</a:t>
             </a:fld>
             <a:endParaRPr lang="pt-BR"/>
           </a:p>
@@ -644,7 +644,7 @@
           <a:p>
             <a:fld id="{848ED374-9BF1-45B8-B3D6-8E8C3556B9A5}" type="datetimeFigureOut">
               <a:rPr lang="pt-BR" smtClean="0"/>
-              <a:t>26/06/2016</a:t>
+              <a:t>27/06/2016</a:t>
             </a:fld>
             <a:endParaRPr lang="pt-BR"/>
           </a:p>
@@ -809,7 +809,7 @@
           <a:p>
             <a:fld id="{848ED374-9BF1-45B8-B3D6-8E8C3556B9A5}" type="datetimeFigureOut">
               <a:rPr lang="pt-BR" smtClean="0"/>
-              <a:t>26/06/2016</a:t>
+              <a:t>27/06/2016</a:t>
             </a:fld>
             <a:endParaRPr lang="pt-BR"/>
           </a:p>
@@ -1050,7 +1050,7 @@
           <a:p>
             <a:fld id="{848ED374-9BF1-45B8-B3D6-8E8C3556B9A5}" type="datetimeFigureOut">
               <a:rPr lang="pt-BR" smtClean="0"/>
-              <a:t>26/06/2016</a:t>
+              <a:t>27/06/2016</a:t>
             </a:fld>
             <a:endParaRPr lang="pt-BR"/>
           </a:p>
@@ -1333,7 +1333,7 @@
           <a:p>
             <a:fld id="{848ED374-9BF1-45B8-B3D6-8E8C3556B9A5}" type="datetimeFigureOut">
               <a:rPr lang="pt-BR" smtClean="0"/>
-              <a:t>26/06/2016</a:t>
+              <a:t>27/06/2016</a:t>
             </a:fld>
             <a:endParaRPr lang="pt-BR"/>
           </a:p>
@@ -1750,7 +1750,7 @@
           <a:p>
             <a:fld id="{848ED374-9BF1-45B8-B3D6-8E8C3556B9A5}" type="datetimeFigureOut">
               <a:rPr lang="pt-BR" smtClean="0"/>
-              <a:t>26/06/2016</a:t>
+              <a:t>27/06/2016</a:t>
             </a:fld>
             <a:endParaRPr lang="pt-BR"/>
           </a:p>
@@ -1863,7 +1863,7 @@
           <a:p>
             <a:fld id="{848ED374-9BF1-45B8-B3D6-8E8C3556B9A5}" type="datetimeFigureOut">
               <a:rPr lang="pt-BR" smtClean="0"/>
-              <a:t>26/06/2016</a:t>
+              <a:t>27/06/2016</a:t>
             </a:fld>
             <a:endParaRPr lang="pt-BR"/>
           </a:p>
@@ -1953,7 +1953,7 @@
           <a:p>
             <a:fld id="{848ED374-9BF1-45B8-B3D6-8E8C3556B9A5}" type="datetimeFigureOut">
               <a:rPr lang="pt-BR" smtClean="0"/>
-              <a:t>26/06/2016</a:t>
+              <a:t>27/06/2016</a:t>
             </a:fld>
             <a:endParaRPr lang="pt-BR"/>
           </a:p>
@@ -2225,7 +2225,7 @@
           <a:p>
             <a:fld id="{848ED374-9BF1-45B8-B3D6-8E8C3556B9A5}" type="datetimeFigureOut">
               <a:rPr lang="pt-BR" smtClean="0"/>
-              <a:t>26/06/2016</a:t>
+              <a:t>27/06/2016</a:t>
             </a:fld>
             <a:endParaRPr lang="pt-BR"/>
           </a:p>
@@ -2473,7 +2473,7 @@
           <a:p>
             <a:fld id="{848ED374-9BF1-45B8-B3D6-8E8C3556B9A5}" type="datetimeFigureOut">
               <a:rPr lang="pt-BR" smtClean="0"/>
-              <a:t>26/06/2016</a:t>
+              <a:t>27/06/2016</a:t>
             </a:fld>
             <a:endParaRPr lang="pt-BR"/>
           </a:p>
@@ -2681,7 +2681,7 @@
           <a:p>
             <a:fld id="{848ED374-9BF1-45B8-B3D6-8E8C3556B9A5}" type="datetimeFigureOut">
               <a:rPr lang="pt-BR" smtClean="0"/>
-              <a:t>26/06/2016</a:t>
+              <a:t>27/06/2016</a:t>
             </a:fld>
             <a:endParaRPr lang="pt-BR"/>
           </a:p>
@@ -3141,7 +3141,15 @@
                 <a:ea typeface="+mj-ea"/>
                 <a:cs typeface="+mj-cs"/>
               </a:rPr>
-              <a:t>Projeto Interdisciplinar</a:t>
+              <a:t>Projeto </a:t>
+            </a:r>
+            <a:r>
+              <a:rPr lang="pt-BR" sz="2200" b="1" baseline="0" dirty="0" smtClean="0">
+                <a:latin typeface="+mj-lt"/>
+                <a:ea typeface="+mj-ea"/>
+                <a:cs typeface="+mj-cs"/>
+              </a:rPr>
+              <a:t>Interdisciplinar III</a:t>
             </a:r>
             <a:endParaRPr lang="pt-BR" sz="2200" b="1" dirty="0" smtClean="0">
               <a:latin typeface="+mj-lt"/>
@@ -3251,15 +3259,7 @@
                 <a:ea typeface="+mj-ea"/>
                 <a:cs typeface="+mj-cs"/>
               </a:rPr>
-              <a:t>;</a:t>
-            </a:r>
-            <a:r>
-              <a:rPr lang="pt-BR" sz="1400" dirty="0" smtClean="0">
-                <a:latin typeface="+mj-lt"/>
-                <a:ea typeface="+mj-ea"/>
-                <a:cs typeface="+mj-cs"/>
-              </a:rPr>
-              <a:t> </a:t>
+              <a:t>; </a:t>
             </a:r>
             <a:r>
               <a:rPr lang="pt-BR" sz="1400" dirty="0"/>
@@ -3289,11 +3289,6 @@
               </a:rPr>
               <a:t>. </a:t>
             </a:r>
-            <a:endParaRPr lang="pt-BR" sz="1400" dirty="0" smtClean="0">
-              <a:latin typeface="+mj-lt"/>
-              <a:ea typeface="+mj-ea"/>
-              <a:cs typeface="+mj-cs"/>
-            </a:endParaRPr>
           </a:p>
           <a:p>
             <a:pPr lvl="0" algn="ctr">
@@ -4132,11 +4127,7 @@
           <a:p>
             <a:r>
               <a:rPr lang="pt-BR" sz="1000" dirty="0" smtClean="0"/>
-              <a:t>      </a:t>
-            </a:r>
-            <a:r>
-              <a:rPr lang="pt-BR" sz="1000" dirty="0" smtClean="0"/>
-              <a:t>O </a:t>
+              <a:t>      O </a:t>
             </a:r>
             <a:r>
               <a:rPr lang="pt-BR" sz="1000" dirty="0" err="1"/>
@@ -4835,27 +4826,6 @@
 
 <file path=customXml/item1.xml><?xml version="1.0" encoding="utf-8"?>
 <?mso-contentType ?>
-<FormTemplates xmlns="http://schemas.microsoft.com/sharepoint/v3/contenttype/forms">
-  <Display>DocumentLibraryForm</Display>
-  <Edit>DocumentLibraryForm</Edit>
-  <New>DocumentLibraryForm</New>
-</FormTemplates>
-</file>
-
-<file path=customXml/item2.xml><?xml version="1.0" encoding="utf-8"?>
-<p:properties xmlns:p="http://schemas.microsoft.com/office/2006/metadata/properties" xmlns:xsi="http://www.w3.org/2001/XMLSchema-instance" xmlns:pc="http://schemas.microsoft.com/office/infopath/2007/PartnerControls">
-  <documentManagement>
-    <_dlc_DocId xmlns="8eed6cbe-9df3-4c1b-a9c8-e4f8386e864e">7H3NKEDS7XJ4-1944-11</_dlc_DocId>
-    <_dlc_DocIdUrl xmlns="8eed6cbe-9df3-4c1b-a9c8-e4f8386e864e">
-      <Url>https://ww1.ucl.br/disciplinas/PI-Inf-II/_layouts/DocIdRedir.aspx?ID=7H3NKEDS7XJ4-1944-11</Url>
-      <Description>7H3NKEDS7XJ4-1944-11</Description>
-    </_dlc_DocIdUrl>
-  </documentManagement>
-</p:properties>
-</file>
-
-<file path=customXml/item3.xml><?xml version="1.0" encoding="utf-8"?>
-<?mso-contentType ?>
 <spe:Receivers xmlns:spe="http://schemas.microsoft.com/sharepoint/events">
   <Receiver>
     <Name>Document ID Generator</Name>
@@ -4898,6 +4868,27 @@
     <Filter/>
   </Receiver>
 </spe:Receivers>
+</file>
+
+<file path=customXml/item2.xml><?xml version="1.0" encoding="utf-8"?>
+<p:properties xmlns:p="http://schemas.microsoft.com/office/2006/metadata/properties" xmlns:xsi="http://www.w3.org/2001/XMLSchema-instance" xmlns:pc="http://schemas.microsoft.com/office/infopath/2007/PartnerControls">
+  <documentManagement>
+    <_dlc_DocId xmlns="8eed6cbe-9df3-4c1b-a9c8-e4f8386e864e">7H3NKEDS7XJ4-1944-11</_dlc_DocId>
+    <_dlc_DocIdUrl xmlns="8eed6cbe-9df3-4c1b-a9c8-e4f8386e864e">
+      <Url>https://ww1.ucl.br/disciplinas/PI-Inf-II/_layouts/DocIdRedir.aspx?ID=7H3NKEDS7XJ4-1944-11</Url>
+      <Description>7H3NKEDS7XJ4-1944-11</Description>
+    </_dlc_DocIdUrl>
+  </documentManagement>
+</p:properties>
+</file>
+
+<file path=customXml/item3.xml><?xml version="1.0" encoding="utf-8"?>
+<?mso-contentType ?>
+<FormTemplates xmlns="http://schemas.microsoft.com/sharepoint/v3/contenttype/forms">
+  <Display>DocumentLibraryForm</Display>
+  <Edit>DocumentLibraryForm</Edit>
+  <New>DocumentLibraryForm</New>
+</FormTemplates>
 </file>
 
 <file path=customXml/item4.xml><?xml version="1.0" encoding="utf-8"?>
@@ -5046,9 +5037,9 @@
 </file>
 
 <file path=customXml/itemProps1.xml><?xml version="1.0" encoding="utf-8"?>
-<ds:datastoreItem xmlns:ds="http://schemas.openxmlformats.org/officeDocument/2006/customXml" ds:itemID="{8B776357-4776-4E41-A5C3-B6EC0DE5966D}">
+<ds:datastoreItem xmlns:ds="http://schemas.openxmlformats.org/officeDocument/2006/customXml" ds:itemID="{C6177EEE-C707-4669-8ADC-08FDAECCA4F4}">
   <ds:schemaRefs>
-    <ds:schemaRef ds:uri="http://schemas.microsoft.com/sharepoint/v3/contenttype/forms"/>
+    <ds:schemaRef ds:uri="http://schemas.microsoft.com/sharepoint/events"/>
   </ds:schemaRefs>
 </ds:datastoreItem>
 </file>
@@ -5070,9 +5061,9 @@
 </file>
 
 <file path=customXml/itemProps3.xml><?xml version="1.0" encoding="utf-8"?>
-<ds:datastoreItem xmlns:ds="http://schemas.openxmlformats.org/officeDocument/2006/customXml" ds:itemID="{C6177EEE-C707-4669-8ADC-08FDAECCA4F4}">
+<ds:datastoreItem xmlns:ds="http://schemas.openxmlformats.org/officeDocument/2006/customXml" ds:itemID="{8B776357-4776-4E41-A5C3-B6EC0DE5966D}">
   <ds:schemaRefs>
-    <ds:schemaRef ds:uri="http://schemas.microsoft.com/sharepoint/events"/>
+    <ds:schemaRef ds:uri="http://schemas.microsoft.com/sharepoint/v3/contenttype/forms"/>
   </ds:schemaRefs>
 </ds:datastoreItem>
 </file>

--- a/Documentos/Banner/Projeto Interdisciplinar - Modelo Poster_print.pptx
+++ b/Documentos/Banner/Projeto Interdisciplinar - Modelo Poster_print.pptx
@@ -7,14 +7,14 @@
   <p:sldIdLst>
     <p:sldId id="257" r:id="rId6"/>
   </p:sldIdLst>
-  <p:sldSz cx="6480175" cy="8640763"/>
+  <p:sldSz cx="41400413" cy="51198463"/>
   <p:notesSz cx="6858000" cy="9144000"/>
   <p:defaultTextStyle>
     <a:defPPr>
       <a:defRPr lang="pt-BR"/>
     </a:defPPr>
-    <a:lvl1pPr marL="0" algn="l" defTabSz="914400" rtl="0" eaLnBrk="1" latinLnBrk="0" hangingPunct="1">
-      <a:defRPr sz="1800" kern="1200">
+    <a:lvl1pPr marL="0" algn="l" defTabSz="5596265" rtl="0" eaLnBrk="1" latinLnBrk="0" hangingPunct="1">
+      <a:defRPr sz="11017" kern="1200">
         <a:solidFill>
           <a:schemeClr val="tx1"/>
         </a:solidFill>
@@ -23,8 +23,8 @@
         <a:cs typeface="+mn-cs"/>
       </a:defRPr>
     </a:lvl1pPr>
-    <a:lvl2pPr marL="457200" algn="l" defTabSz="914400" rtl="0" eaLnBrk="1" latinLnBrk="0" hangingPunct="1">
-      <a:defRPr sz="1800" kern="1200">
+    <a:lvl2pPr marL="2798136" algn="l" defTabSz="5596265" rtl="0" eaLnBrk="1" latinLnBrk="0" hangingPunct="1">
+      <a:defRPr sz="11017" kern="1200">
         <a:solidFill>
           <a:schemeClr val="tx1"/>
         </a:solidFill>
@@ -33,8 +33,8 @@
         <a:cs typeface="+mn-cs"/>
       </a:defRPr>
     </a:lvl2pPr>
-    <a:lvl3pPr marL="914400" algn="l" defTabSz="914400" rtl="0" eaLnBrk="1" latinLnBrk="0" hangingPunct="1">
-      <a:defRPr sz="1800" kern="1200">
+    <a:lvl3pPr marL="5596265" algn="l" defTabSz="5596265" rtl="0" eaLnBrk="1" latinLnBrk="0" hangingPunct="1">
+      <a:defRPr sz="11017" kern="1200">
         <a:solidFill>
           <a:schemeClr val="tx1"/>
         </a:solidFill>
@@ -43,8 +43,8 @@
         <a:cs typeface="+mn-cs"/>
       </a:defRPr>
     </a:lvl3pPr>
-    <a:lvl4pPr marL="1371600" algn="l" defTabSz="914400" rtl="0" eaLnBrk="1" latinLnBrk="0" hangingPunct="1">
-      <a:defRPr sz="1800" kern="1200">
+    <a:lvl4pPr marL="8394401" algn="l" defTabSz="5596265" rtl="0" eaLnBrk="1" latinLnBrk="0" hangingPunct="1">
+      <a:defRPr sz="11017" kern="1200">
         <a:solidFill>
           <a:schemeClr val="tx1"/>
         </a:solidFill>
@@ -53,8 +53,8 @@
         <a:cs typeface="+mn-cs"/>
       </a:defRPr>
     </a:lvl4pPr>
-    <a:lvl5pPr marL="1828800" algn="l" defTabSz="914400" rtl="0" eaLnBrk="1" latinLnBrk="0" hangingPunct="1">
-      <a:defRPr sz="1800" kern="1200">
+    <a:lvl5pPr marL="11192530" algn="l" defTabSz="5596265" rtl="0" eaLnBrk="1" latinLnBrk="0" hangingPunct="1">
+      <a:defRPr sz="11017" kern="1200">
         <a:solidFill>
           <a:schemeClr val="tx1"/>
         </a:solidFill>
@@ -63,8 +63,8 @@
         <a:cs typeface="+mn-cs"/>
       </a:defRPr>
     </a:lvl5pPr>
-    <a:lvl6pPr marL="2286000" algn="l" defTabSz="914400" rtl="0" eaLnBrk="1" latinLnBrk="0" hangingPunct="1">
-      <a:defRPr sz="1800" kern="1200">
+    <a:lvl6pPr marL="13990666" algn="l" defTabSz="5596265" rtl="0" eaLnBrk="1" latinLnBrk="0" hangingPunct="1">
+      <a:defRPr sz="11017" kern="1200">
         <a:solidFill>
           <a:schemeClr val="tx1"/>
         </a:solidFill>
@@ -73,8 +73,8 @@
         <a:cs typeface="+mn-cs"/>
       </a:defRPr>
     </a:lvl6pPr>
-    <a:lvl7pPr marL="2743200" algn="l" defTabSz="914400" rtl="0" eaLnBrk="1" latinLnBrk="0" hangingPunct="1">
-      <a:defRPr sz="1800" kern="1200">
+    <a:lvl7pPr marL="16788796" algn="l" defTabSz="5596265" rtl="0" eaLnBrk="1" latinLnBrk="0" hangingPunct="1">
+      <a:defRPr sz="11017" kern="1200">
         <a:solidFill>
           <a:schemeClr val="tx1"/>
         </a:solidFill>
@@ -83,8 +83,8 @@
         <a:cs typeface="+mn-cs"/>
       </a:defRPr>
     </a:lvl7pPr>
-    <a:lvl8pPr marL="3200400" algn="l" defTabSz="914400" rtl="0" eaLnBrk="1" latinLnBrk="0" hangingPunct="1">
-      <a:defRPr sz="1800" kern="1200">
+    <a:lvl8pPr marL="19586931" algn="l" defTabSz="5596265" rtl="0" eaLnBrk="1" latinLnBrk="0" hangingPunct="1">
+      <a:defRPr sz="11017" kern="1200">
         <a:solidFill>
           <a:schemeClr val="tx1"/>
         </a:solidFill>
@@ -93,8 +93,8 @@
         <a:cs typeface="+mn-cs"/>
       </a:defRPr>
     </a:lvl8pPr>
-    <a:lvl9pPr marL="3657600" algn="l" defTabSz="914400" rtl="0" eaLnBrk="1" latinLnBrk="0" hangingPunct="1">
-      <a:defRPr sz="1800" kern="1200">
+    <a:lvl9pPr marL="22385067" algn="l" defTabSz="5596265" rtl="0" eaLnBrk="1" latinLnBrk="0" hangingPunct="1">
+      <a:defRPr sz="11017" kern="1200">
         <a:solidFill>
           <a:schemeClr val="tx1"/>
         </a:solidFill>
@@ -107,12 +107,12 @@
   <p:extLst>
     <p:ext uri="{EFAFB233-063F-42B5-8137-9DF3F51BA10A}">
       <p15:sldGuideLst xmlns:p15="http://schemas.microsoft.com/office/powerpoint/2012/main">
-        <p15:guide id="1" orient="horz" pos="2722">
+        <p15:guide id="1" orient="horz" pos="16128" userDrawn="1">
           <p15:clr>
             <a:srgbClr val="A4A3A4"/>
           </p15:clr>
         </p15:guide>
-        <p15:guide id="2" pos="2041">
+        <p15:guide id="2" pos="13040" userDrawn="1">
           <p15:clr>
             <a:srgbClr val="A4A3A4"/>
           </p15:clr>
@@ -152,8 +152,8 @@
         </p:nvSpPr>
         <p:spPr>
           <a:xfrm>
-            <a:off x="486013" y="2684237"/>
-            <a:ext cx="5508149" cy="1852164"/>
+            <a:off x="3105052" y="15904708"/>
+            <a:ext cx="35190353" cy="10974488"/>
           </a:xfrm>
         </p:spPr>
         <p:txBody>
@@ -180,8 +180,8 @@
         </p:nvSpPr>
         <p:spPr>
           <a:xfrm>
-            <a:off x="972026" y="4896432"/>
-            <a:ext cx="4536123" cy="2208195"/>
+            <a:off x="6210070" y="29012493"/>
+            <a:ext cx="28980292" cy="13084052"/>
           </a:xfrm>
         </p:spPr>
         <p:txBody>
@@ -197,7 +197,7 @@
                 </a:solidFill>
               </a:defRPr>
             </a:lvl1pPr>
-            <a:lvl2pPr marL="457200" indent="0" algn="ctr">
+            <a:lvl2pPr marL="2709233" indent="0" algn="ctr">
               <a:buNone/>
               <a:defRPr>
                 <a:solidFill>
@@ -207,7 +207,7 @@
                 </a:solidFill>
               </a:defRPr>
             </a:lvl2pPr>
-            <a:lvl3pPr marL="914400" indent="0" algn="ctr">
+            <a:lvl3pPr marL="5418465" indent="0" algn="ctr">
               <a:buNone/>
               <a:defRPr>
                 <a:solidFill>
@@ -217,7 +217,7 @@
                 </a:solidFill>
               </a:defRPr>
             </a:lvl3pPr>
-            <a:lvl4pPr marL="1371600" indent="0" algn="ctr">
+            <a:lvl4pPr marL="8127692" indent="0" algn="ctr">
               <a:buNone/>
               <a:defRPr>
                 <a:solidFill>
@@ -227,7 +227,7 @@
                 </a:solidFill>
               </a:defRPr>
             </a:lvl4pPr>
-            <a:lvl5pPr marL="1828800" indent="0" algn="ctr">
+            <a:lvl5pPr marL="10836918" indent="0" algn="ctr">
               <a:buNone/>
               <a:defRPr>
                 <a:solidFill>
@@ -237,7 +237,7 @@
                 </a:solidFill>
               </a:defRPr>
             </a:lvl5pPr>
-            <a:lvl6pPr marL="2286000" indent="0" algn="ctr">
+            <a:lvl6pPr marL="13546145" indent="0" algn="ctr">
               <a:buNone/>
               <a:defRPr>
                 <a:solidFill>
@@ -247,7 +247,7 @@
                 </a:solidFill>
               </a:defRPr>
             </a:lvl6pPr>
-            <a:lvl7pPr marL="2743200" indent="0" algn="ctr">
+            <a:lvl7pPr marL="16255377" indent="0" algn="ctr">
               <a:buNone/>
               <a:defRPr>
                 <a:solidFill>
@@ -257,7 +257,7 @@
                 </a:solidFill>
               </a:defRPr>
             </a:lvl7pPr>
-            <a:lvl8pPr marL="3200400" indent="0" algn="ctr">
+            <a:lvl8pPr marL="18964610" indent="0" algn="ctr">
               <a:buNone/>
               <a:defRPr>
                 <a:solidFill>
@@ -267,7 +267,7 @@
                 </a:solidFill>
               </a:defRPr>
             </a:lvl8pPr>
-            <a:lvl9pPr marL="3657600" indent="0" algn="ctr">
+            <a:lvl9pPr marL="21673836" indent="0" algn="ctr">
               <a:buNone/>
               <a:defRPr>
                 <a:solidFill>
@@ -304,7 +304,7 @@
           <a:p>
             <a:fld id="{848ED374-9BF1-45B8-B3D6-8E8C3556B9A5}" type="datetimeFigureOut">
               <a:rPr lang="pt-BR" smtClean="0"/>
-              <a:t>27/06/2016</a:t>
+              <a:t>28/06/2016</a:t>
             </a:fld>
             <a:endParaRPr lang="pt-BR"/>
           </a:p>
@@ -469,7 +469,7 @@
           <a:p>
             <a:fld id="{848ED374-9BF1-45B8-B3D6-8E8C3556B9A5}" type="datetimeFigureOut">
               <a:rPr lang="pt-BR" smtClean="0"/>
-              <a:t>27/06/2016</a:t>
+              <a:t>28/06/2016</a:t>
             </a:fld>
             <a:endParaRPr lang="pt-BR"/>
           </a:p>
@@ -554,8 +554,8 @@
         </p:nvSpPr>
         <p:spPr>
           <a:xfrm>
-            <a:off x="4698127" y="346032"/>
-            <a:ext cx="1458039" cy="7372651"/>
+            <a:off x="30015322" y="2050332"/>
+            <a:ext cx="9315091" cy="43684614"/>
           </a:xfrm>
         </p:spPr>
         <p:txBody>
@@ -582,8 +582,8 @@
         </p:nvSpPr>
         <p:spPr>
           <a:xfrm>
-            <a:off x="324009" y="346032"/>
-            <a:ext cx="4266115" cy="7372651"/>
+            <a:off x="2070044" y="2050332"/>
+            <a:ext cx="27255271" cy="43684614"/>
           </a:xfrm>
         </p:spPr>
         <p:txBody>
@@ -644,7 +644,7 @@
           <a:p>
             <a:fld id="{848ED374-9BF1-45B8-B3D6-8E8C3556B9A5}" type="datetimeFigureOut">
               <a:rPr lang="pt-BR" smtClean="0"/>
-              <a:t>27/06/2016</a:t>
+              <a:t>28/06/2016</a:t>
             </a:fld>
             <a:endParaRPr lang="pt-BR"/>
           </a:p>
@@ -809,7 +809,7 @@
           <a:p>
             <a:fld id="{848ED374-9BF1-45B8-B3D6-8E8C3556B9A5}" type="datetimeFigureOut">
               <a:rPr lang="pt-BR" smtClean="0"/>
-              <a:t>27/06/2016</a:t>
+              <a:t>28/06/2016</a:t>
             </a:fld>
             <a:endParaRPr lang="pt-BR"/>
           </a:p>
@@ -894,15 +894,15 @@
         </p:nvSpPr>
         <p:spPr>
           <a:xfrm>
-            <a:off x="511889" y="5552491"/>
-            <a:ext cx="5508149" cy="1716152"/>
+            <a:off x="3270368" y="32899757"/>
+            <a:ext cx="35190353" cy="10168586"/>
           </a:xfrm>
         </p:spPr>
         <p:txBody>
           <a:bodyPr anchor="t"/>
           <a:lstStyle>
             <a:lvl1pPr algn="l">
-              <a:defRPr sz="4000" b="1" cap="all"/>
+              <a:defRPr sz="23701" b="1" cap="all"/>
             </a:lvl1pPr>
           </a:lstStyle>
           <a:p>
@@ -926,8 +926,8 @@
         </p:nvSpPr>
         <p:spPr>
           <a:xfrm>
-            <a:off x="511889" y="3662325"/>
-            <a:ext cx="5508149" cy="1890166"/>
+            <a:off x="3270368" y="21700099"/>
+            <a:ext cx="35190353" cy="11199658"/>
           </a:xfrm>
         </p:spPr>
         <p:txBody>
@@ -935,7 +935,7 @@
           <a:lstStyle>
             <a:lvl1pPr marL="0" indent="0">
               <a:buNone/>
-              <a:defRPr sz="2000">
+              <a:defRPr sz="11850">
                 <a:solidFill>
                   <a:schemeClr val="tx1">
                     <a:tint val="75000"/>
@@ -943,9 +943,9 @@
                 </a:solidFill>
               </a:defRPr>
             </a:lvl1pPr>
-            <a:lvl2pPr marL="457200" indent="0">
-              <a:buNone/>
-              <a:defRPr sz="1800">
+            <a:lvl2pPr marL="2709233" indent="0">
+              <a:buNone/>
+              <a:defRPr sz="10665">
                 <a:solidFill>
                   <a:schemeClr val="tx1">
                     <a:tint val="75000"/>
@@ -953,9 +953,9 @@
                 </a:solidFill>
               </a:defRPr>
             </a:lvl2pPr>
-            <a:lvl3pPr marL="914400" indent="0">
-              <a:buNone/>
-              <a:defRPr sz="1600">
+            <a:lvl3pPr marL="5418465" indent="0">
+              <a:buNone/>
+              <a:defRPr sz="9480">
                 <a:solidFill>
                   <a:schemeClr val="tx1">
                     <a:tint val="75000"/>
@@ -963,9 +963,9 @@
                 </a:solidFill>
               </a:defRPr>
             </a:lvl3pPr>
-            <a:lvl4pPr marL="1371600" indent="0">
-              <a:buNone/>
-              <a:defRPr sz="1400">
+            <a:lvl4pPr marL="8127692" indent="0">
+              <a:buNone/>
+              <a:defRPr sz="8295">
                 <a:solidFill>
                   <a:schemeClr val="tx1">
                     <a:tint val="75000"/>
@@ -973,9 +973,9 @@
                 </a:solidFill>
               </a:defRPr>
             </a:lvl4pPr>
-            <a:lvl5pPr marL="1828800" indent="0">
-              <a:buNone/>
-              <a:defRPr sz="1400">
+            <a:lvl5pPr marL="10836918" indent="0">
+              <a:buNone/>
+              <a:defRPr sz="8295">
                 <a:solidFill>
                   <a:schemeClr val="tx1">
                     <a:tint val="75000"/>
@@ -983,9 +983,9 @@
                 </a:solidFill>
               </a:defRPr>
             </a:lvl5pPr>
-            <a:lvl6pPr marL="2286000" indent="0">
-              <a:buNone/>
-              <a:defRPr sz="1400">
+            <a:lvl6pPr marL="13546145" indent="0">
+              <a:buNone/>
+              <a:defRPr sz="8295">
                 <a:solidFill>
                   <a:schemeClr val="tx1">
                     <a:tint val="75000"/>
@@ -993,9 +993,9 @@
                 </a:solidFill>
               </a:defRPr>
             </a:lvl6pPr>
-            <a:lvl7pPr marL="2743200" indent="0">
-              <a:buNone/>
-              <a:defRPr sz="1400">
+            <a:lvl7pPr marL="16255377" indent="0">
+              <a:buNone/>
+              <a:defRPr sz="8295">
                 <a:solidFill>
                   <a:schemeClr val="tx1">
                     <a:tint val="75000"/>
@@ -1003,9 +1003,9 @@
                 </a:solidFill>
               </a:defRPr>
             </a:lvl7pPr>
-            <a:lvl8pPr marL="3200400" indent="0">
-              <a:buNone/>
-              <a:defRPr sz="1400">
+            <a:lvl8pPr marL="18964610" indent="0">
+              <a:buNone/>
+              <a:defRPr sz="8295">
                 <a:solidFill>
                   <a:schemeClr val="tx1">
                     <a:tint val="75000"/>
@@ -1013,9 +1013,9 @@
                 </a:solidFill>
               </a:defRPr>
             </a:lvl8pPr>
-            <a:lvl9pPr marL="3657600" indent="0">
-              <a:buNone/>
-              <a:defRPr sz="1400">
+            <a:lvl9pPr marL="21673836" indent="0">
+              <a:buNone/>
+              <a:defRPr sz="8295">
                 <a:solidFill>
                   <a:schemeClr val="tx1">
                     <a:tint val="75000"/>
@@ -1050,7 +1050,7 @@
           <a:p>
             <a:fld id="{848ED374-9BF1-45B8-B3D6-8E8C3556B9A5}" type="datetimeFigureOut">
               <a:rPr lang="pt-BR" smtClean="0"/>
-              <a:t>27/06/2016</a:t>
+              <a:t>28/06/2016</a:t>
             </a:fld>
             <a:endParaRPr lang="pt-BR"/>
           </a:p>
@@ -1158,39 +1158,39 @@
         </p:nvSpPr>
         <p:spPr>
           <a:xfrm>
-            <a:off x="324009" y="2016179"/>
-            <a:ext cx="2862077" cy="5702504"/>
+            <a:off x="2070038" y="11946314"/>
+            <a:ext cx="18285181" cy="33788618"/>
           </a:xfrm>
         </p:spPr>
         <p:txBody>
           <a:bodyPr/>
           <a:lstStyle>
             <a:lvl1pPr>
-              <a:defRPr sz="2800"/>
+              <a:defRPr sz="16591"/>
             </a:lvl1pPr>
             <a:lvl2pPr>
-              <a:defRPr sz="2400"/>
+              <a:defRPr sz="14220"/>
             </a:lvl2pPr>
             <a:lvl3pPr>
-              <a:defRPr sz="2000"/>
+              <a:defRPr sz="11850"/>
             </a:lvl3pPr>
             <a:lvl4pPr>
-              <a:defRPr sz="1800"/>
+              <a:defRPr sz="10665"/>
             </a:lvl4pPr>
             <a:lvl5pPr>
-              <a:defRPr sz="1800"/>
+              <a:defRPr sz="10665"/>
             </a:lvl5pPr>
             <a:lvl6pPr>
-              <a:defRPr sz="1800"/>
+              <a:defRPr sz="10665"/>
             </a:lvl6pPr>
             <a:lvl7pPr>
-              <a:defRPr sz="1800"/>
+              <a:defRPr sz="10665"/>
             </a:lvl7pPr>
             <a:lvl8pPr>
-              <a:defRPr sz="1800"/>
+              <a:defRPr sz="10665"/>
             </a:lvl8pPr>
             <a:lvl9pPr>
-              <a:defRPr sz="1800"/>
+              <a:defRPr sz="10665"/>
             </a:lvl9pPr>
           </a:lstStyle>
           <a:p>
@@ -1243,39 +1243,39 @@
         </p:nvSpPr>
         <p:spPr>
           <a:xfrm>
-            <a:off x="3294089" y="2016179"/>
-            <a:ext cx="2862077" cy="5702504"/>
+            <a:off x="21045232" y="11946314"/>
+            <a:ext cx="18285181" cy="33788618"/>
           </a:xfrm>
         </p:spPr>
         <p:txBody>
           <a:bodyPr/>
           <a:lstStyle>
             <a:lvl1pPr>
-              <a:defRPr sz="2800"/>
+              <a:defRPr sz="16591"/>
             </a:lvl1pPr>
             <a:lvl2pPr>
-              <a:defRPr sz="2400"/>
+              <a:defRPr sz="14220"/>
             </a:lvl2pPr>
             <a:lvl3pPr>
-              <a:defRPr sz="2000"/>
+              <a:defRPr sz="11850"/>
             </a:lvl3pPr>
             <a:lvl4pPr>
-              <a:defRPr sz="1800"/>
+              <a:defRPr sz="10665"/>
             </a:lvl4pPr>
             <a:lvl5pPr>
-              <a:defRPr sz="1800"/>
+              <a:defRPr sz="10665"/>
             </a:lvl5pPr>
             <a:lvl6pPr>
-              <a:defRPr sz="1800"/>
+              <a:defRPr sz="10665"/>
             </a:lvl6pPr>
             <a:lvl7pPr>
-              <a:defRPr sz="1800"/>
+              <a:defRPr sz="10665"/>
             </a:lvl7pPr>
             <a:lvl8pPr>
-              <a:defRPr sz="1800"/>
+              <a:defRPr sz="10665"/>
             </a:lvl8pPr>
             <a:lvl9pPr>
-              <a:defRPr sz="1800"/>
+              <a:defRPr sz="10665"/>
             </a:lvl9pPr>
           </a:lstStyle>
           <a:p>
@@ -1333,7 +1333,7 @@
           <a:p>
             <a:fld id="{848ED374-9BF1-45B8-B3D6-8E8C3556B9A5}" type="datetimeFigureOut">
               <a:rPr lang="pt-BR" smtClean="0"/>
-              <a:t>27/06/2016</a:t>
+              <a:t>28/06/2016</a:t>
             </a:fld>
             <a:endParaRPr lang="pt-BR"/>
           </a:p>
@@ -1445,8 +1445,8 @@
         </p:nvSpPr>
         <p:spPr>
           <a:xfrm>
-            <a:off x="324009" y="1934171"/>
-            <a:ext cx="2863203" cy="806071"/>
+            <a:off x="2070038" y="11460430"/>
+            <a:ext cx="18292374" cy="4776152"/>
           </a:xfrm>
         </p:spPr>
         <p:txBody>
@@ -1454,39 +1454,39 @@
           <a:lstStyle>
             <a:lvl1pPr marL="0" indent="0">
               <a:buNone/>
-              <a:defRPr sz="2400" b="1"/>
+              <a:defRPr sz="14220" b="1"/>
             </a:lvl1pPr>
-            <a:lvl2pPr marL="457200" indent="0">
-              <a:buNone/>
-              <a:defRPr sz="2000" b="1"/>
+            <a:lvl2pPr marL="2709233" indent="0">
+              <a:buNone/>
+              <a:defRPr sz="11850" b="1"/>
             </a:lvl2pPr>
-            <a:lvl3pPr marL="914400" indent="0">
-              <a:buNone/>
-              <a:defRPr sz="1800" b="1"/>
+            <a:lvl3pPr marL="5418465" indent="0">
+              <a:buNone/>
+              <a:defRPr sz="10665" b="1"/>
             </a:lvl3pPr>
-            <a:lvl4pPr marL="1371600" indent="0">
-              <a:buNone/>
-              <a:defRPr sz="1600" b="1"/>
+            <a:lvl4pPr marL="8127692" indent="0">
+              <a:buNone/>
+              <a:defRPr sz="9480" b="1"/>
             </a:lvl4pPr>
-            <a:lvl5pPr marL="1828800" indent="0">
-              <a:buNone/>
-              <a:defRPr sz="1600" b="1"/>
+            <a:lvl5pPr marL="10836918" indent="0">
+              <a:buNone/>
+              <a:defRPr sz="9480" b="1"/>
             </a:lvl5pPr>
-            <a:lvl6pPr marL="2286000" indent="0">
-              <a:buNone/>
-              <a:defRPr sz="1600" b="1"/>
+            <a:lvl6pPr marL="13546145" indent="0">
+              <a:buNone/>
+              <a:defRPr sz="9480" b="1"/>
             </a:lvl6pPr>
-            <a:lvl7pPr marL="2743200" indent="0">
-              <a:buNone/>
-              <a:defRPr sz="1600" b="1"/>
+            <a:lvl7pPr marL="16255377" indent="0">
+              <a:buNone/>
+              <a:defRPr sz="9480" b="1"/>
             </a:lvl7pPr>
-            <a:lvl8pPr marL="3200400" indent="0">
-              <a:buNone/>
-              <a:defRPr sz="1600" b="1"/>
+            <a:lvl8pPr marL="18964610" indent="0">
+              <a:buNone/>
+              <a:defRPr sz="9480" b="1"/>
             </a:lvl8pPr>
-            <a:lvl9pPr marL="3657600" indent="0">
-              <a:buNone/>
-              <a:defRPr sz="1600" b="1"/>
+            <a:lvl9pPr marL="21673836" indent="0">
+              <a:buNone/>
+              <a:defRPr sz="9480" b="1"/>
             </a:lvl9pPr>
           </a:lstStyle>
           <a:p>
@@ -1510,39 +1510,39 @@
         </p:nvSpPr>
         <p:spPr>
           <a:xfrm>
-            <a:off x="324009" y="2740242"/>
-            <a:ext cx="2863203" cy="4978440"/>
+            <a:off x="2070038" y="16236550"/>
+            <a:ext cx="18292374" cy="29498376"/>
           </a:xfrm>
         </p:spPr>
         <p:txBody>
           <a:bodyPr/>
           <a:lstStyle>
             <a:lvl1pPr>
-              <a:defRPr sz="2400"/>
+              <a:defRPr sz="14220"/>
             </a:lvl1pPr>
             <a:lvl2pPr>
-              <a:defRPr sz="2000"/>
+              <a:defRPr sz="11850"/>
             </a:lvl2pPr>
             <a:lvl3pPr>
-              <a:defRPr sz="1800"/>
+              <a:defRPr sz="10665"/>
             </a:lvl3pPr>
             <a:lvl4pPr>
-              <a:defRPr sz="1600"/>
+              <a:defRPr sz="9480"/>
             </a:lvl4pPr>
             <a:lvl5pPr>
-              <a:defRPr sz="1600"/>
+              <a:defRPr sz="9480"/>
             </a:lvl5pPr>
             <a:lvl6pPr>
-              <a:defRPr sz="1600"/>
+              <a:defRPr sz="9480"/>
             </a:lvl6pPr>
             <a:lvl7pPr>
-              <a:defRPr sz="1600"/>
+              <a:defRPr sz="9480"/>
             </a:lvl7pPr>
             <a:lvl8pPr>
-              <a:defRPr sz="1600"/>
+              <a:defRPr sz="9480"/>
             </a:lvl8pPr>
             <a:lvl9pPr>
-              <a:defRPr sz="1600"/>
+              <a:defRPr sz="9480"/>
             </a:lvl9pPr>
           </a:lstStyle>
           <a:p>
@@ -1595,8 +1595,8 @@
         </p:nvSpPr>
         <p:spPr>
           <a:xfrm>
-            <a:off x="3291839" y="1934171"/>
-            <a:ext cx="2864327" cy="806071"/>
+            <a:off x="21030852" y="11460430"/>
+            <a:ext cx="18299555" cy="4776152"/>
           </a:xfrm>
         </p:spPr>
         <p:txBody>
@@ -1604,39 +1604,39 @@
           <a:lstStyle>
             <a:lvl1pPr marL="0" indent="0">
               <a:buNone/>
-              <a:defRPr sz="2400" b="1"/>
+              <a:defRPr sz="14220" b="1"/>
             </a:lvl1pPr>
-            <a:lvl2pPr marL="457200" indent="0">
-              <a:buNone/>
-              <a:defRPr sz="2000" b="1"/>
+            <a:lvl2pPr marL="2709233" indent="0">
+              <a:buNone/>
+              <a:defRPr sz="11850" b="1"/>
             </a:lvl2pPr>
-            <a:lvl3pPr marL="914400" indent="0">
-              <a:buNone/>
-              <a:defRPr sz="1800" b="1"/>
+            <a:lvl3pPr marL="5418465" indent="0">
+              <a:buNone/>
+              <a:defRPr sz="10665" b="1"/>
             </a:lvl3pPr>
-            <a:lvl4pPr marL="1371600" indent="0">
-              <a:buNone/>
-              <a:defRPr sz="1600" b="1"/>
+            <a:lvl4pPr marL="8127692" indent="0">
+              <a:buNone/>
+              <a:defRPr sz="9480" b="1"/>
             </a:lvl4pPr>
-            <a:lvl5pPr marL="1828800" indent="0">
-              <a:buNone/>
-              <a:defRPr sz="1600" b="1"/>
+            <a:lvl5pPr marL="10836918" indent="0">
+              <a:buNone/>
+              <a:defRPr sz="9480" b="1"/>
             </a:lvl5pPr>
-            <a:lvl6pPr marL="2286000" indent="0">
-              <a:buNone/>
-              <a:defRPr sz="1600" b="1"/>
+            <a:lvl6pPr marL="13546145" indent="0">
+              <a:buNone/>
+              <a:defRPr sz="9480" b="1"/>
             </a:lvl6pPr>
-            <a:lvl7pPr marL="2743200" indent="0">
-              <a:buNone/>
-              <a:defRPr sz="1600" b="1"/>
+            <a:lvl7pPr marL="16255377" indent="0">
+              <a:buNone/>
+              <a:defRPr sz="9480" b="1"/>
             </a:lvl7pPr>
-            <a:lvl8pPr marL="3200400" indent="0">
-              <a:buNone/>
-              <a:defRPr sz="1600" b="1"/>
+            <a:lvl8pPr marL="18964610" indent="0">
+              <a:buNone/>
+              <a:defRPr sz="9480" b="1"/>
             </a:lvl8pPr>
-            <a:lvl9pPr marL="3657600" indent="0">
-              <a:buNone/>
-              <a:defRPr sz="1600" b="1"/>
+            <a:lvl9pPr marL="21673836" indent="0">
+              <a:buNone/>
+              <a:defRPr sz="9480" b="1"/>
             </a:lvl9pPr>
           </a:lstStyle>
           <a:p>
@@ -1660,39 +1660,39 @@
         </p:nvSpPr>
         <p:spPr>
           <a:xfrm>
-            <a:off x="3291839" y="2740242"/>
-            <a:ext cx="2864327" cy="4978440"/>
+            <a:off x="21030852" y="16236550"/>
+            <a:ext cx="18299555" cy="29498376"/>
           </a:xfrm>
         </p:spPr>
         <p:txBody>
           <a:bodyPr/>
           <a:lstStyle>
             <a:lvl1pPr>
-              <a:defRPr sz="2400"/>
+              <a:defRPr sz="14220"/>
             </a:lvl1pPr>
             <a:lvl2pPr>
-              <a:defRPr sz="2000"/>
+              <a:defRPr sz="11850"/>
             </a:lvl2pPr>
             <a:lvl3pPr>
-              <a:defRPr sz="1800"/>
+              <a:defRPr sz="10665"/>
             </a:lvl3pPr>
             <a:lvl4pPr>
-              <a:defRPr sz="1600"/>
+              <a:defRPr sz="9480"/>
             </a:lvl4pPr>
             <a:lvl5pPr>
-              <a:defRPr sz="1600"/>
+              <a:defRPr sz="9480"/>
             </a:lvl5pPr>
             <a:lvl6pPr>
-              <a:defRPr sz="1600"/>
+              <a:defRPr sz="9480"/>
             </a:lvl6pPr>
             <a:lvl7pPr>
-              <a:defRPr sz="1600"/>
+              <a:defRPr sz="9480"/>
             </a:lvl7pPr>
             <a:lvl8pPr>
-              <a:defRPr sz="1600"/>
+              <a:defRPr sz="9480"/>
             </a:lvl8pPr>
             <a:lvl9pPr>
-              <a:defRPr sz="1600"/>
+              <a:defRPr sz="9480"/>
             </a:lvl9pPr>
           </a:lstStyle>
           <a:p>
@@ -1750,7 +1750,7 @@
           <a:p>
             <a:fld id="{848ED374-9BF1-45B8-B3D6-8E8C3556B9A5}" type="datetimeFigureOut">
               <a:rPr lang="pt-BR" smtClean="0"/>
-              <a:t>27/06/2016</a:t>
+              <a:t>28/06/2016</a:t>
             </a:fld>
             <a:endParaRPr lang="pt-BR"/>
           </a:p>
@@ -1863,7 +1863,7 @@
           <a:p>
             <a:fld id="{848ED374-9BF1-45B8-B3D6-8E8C3556B9A5}" type="datetimeFigureOut">
               <a:rPr lang="pt-BR" smtClean="0"/>
-              <a:t>27/06/2016</a:t>
+              <a:t>28/06/2016</a:t>
             </a:fld>
             <a:endParaRPr lang="pt-BR"/>
           </a:p>
@@ -1953,7 +1953,7 @@
           <a:p>
             <a:fld id="{848ED374-9BF1-45B8-B3D6-8E8C3556B9A5}" type="datetimeFigureOut">
               <a:rPr lang="pt-BR" smtClean="0"/>
-              <a:t>27/06/2016</a:t>
+              <a:t>28/06/2016</a:t>
             </a:fld>
             <a:endParaRPr lang="pt-BR"/>
           </a:p>
@@ -2038,15 +2038,15 @@
         </p:nvSpPr>
         <p:spPr>
           <a:xfrm>
-            <a:off x="324009" y="344031"/>
-            <a:ext cx="2131933" cy="1464129"/>
+            <a:off x="2070038" y="2038494"/>
+            <a:ext cx="13620451" cy="8675293"/>
           </a:xfrm>
         </p:spPr>
         <p:txBody>
           <a:bodyPr anchor="b"/>
           <a:lstStyle>
             <a:lvl1pPr algn="l">
-              <a:defRPr sz="2000" b="1"/>
+              <a:defRPr sz="11850" b="1"/>
             </a:lvl1pPr>
           </a:lstStyle>
           <a:p>
@@ -2070,39 +2070,39 @@
         </p:nvSpPr>
         <p:spPr>
           <a:xfrm>
-            <a:off x="2533568" y="344031"/>
-            <a:ext cx="3622598" cy="7374652"/>
+            <a:off x="16186409" y="2038461"/>
+            <a:ext cx="23143982" cy="43696471"/>
           </a:xfrm>
         </p:spPr>
         <p:txBody>
           <a:bodyPr/>
           <a:lstStyle>
             <a:lvl1pPr>
-              <a:defRPr sz="3200"/>
+              <a:defRPr sz="18961"/>
             </a:lvl1pPr>
             <a:lvl2pPr>
-              <a:defRPr sz="2800"/>
+              <a:defRPr sz="16591"/>
             </a:lvl2pPr>
             <a:lvl3pPr>
-              <a:defRPr sz="2400"/>
+              <a:defRPr sz="14220"/>
             </a:lvl3pPr>
             <a:lvl4pPr>
-              <a:defRPr sz="2000"/>
+              <a:defRPr sz="11850"/>
             </a:lvl4pPr>
             <a:lvl5pPr>
-              <a:defRPr sz="2000"/>
+              <a:defRPr sz="11850"/>
             </a:lvl5pPr>
             <a:lvl6pPr>
-              <a:defRPr sz="2000"/>
+              <a:defRPr sz="11850"/>
             </a:lvl6pPr>
             <a:lvl7pPr>
-              <a:defRPr sz="2000"/>
+              <a:defRPr sz="11850"/>
             </a:lvl7pPr>
             <a:lvl8pPr>
-              <a:defRPr sz="2000"/>
+              <a:defRPr sz="11850"/>
             </a:lvl8pPr>
             <a:lvl9pPr>
-              <a:defRPr sz="2000"/>
+              <a:defRPr sz="11850"/>
             </a:lvl9pPr>
           </a:lstStyle>
           <a:p>
@@ -2155,8 +2155,8 @@
         </p:nvSpPr>
         <p:spPr>
           <a:xfrm>
-            <a:off x="324009" y="1808160"/>
-            <a:ext cx="2131933" cy="5910523"/>
+            <a:off x="2070038" y="10713787"/>
+            <a:ext cx="13620451" cy="35021177"/>
           </a:xfrm>
         </p:spPr>
         <p:txBody>
@@ -2164,39 +2164,39 @@
           <a:lstStyle>
             <a:lvl1pPr marL="0" indent="0">
               <a:buNone/>
-              <a:defRPr sz="1400"/>
+              <a:defRPr sz="8295"/>
             </a:lvl1pPr>
-            <a:lvl2pPr marL="457200" indent="0">
-              <a:buNone/>
-              <a:defRPr sz="1200"/>
+            <a:lvl2pPr marL="2709233" indent="0">
+              <a:buNone/>
+              <a:defRPr sz="7110"/>
             </a:lvl2pPr>
-            <a:lvl3pPr marL="914400" indent="0">
-              <a:buNone/>
-              <a:defRPr sz="1000"/>
+            <a:lvl3pPr marL="5418465" indent="0">
+              <a:buNone/>
+              <a:defRPr sz="5925"/>
             </a:lvl3pPr>
-            <a:lvl4pPr marL="1371600" indent="0">
-              <a:buNone/>
-              <a:defRPr sz="900"/>
+            <a:lvl4pPr marL="8127692" indent="0">
+              <a:buNone/>
+              <a:defRPr sz="5333"/>
             </a:lvl4pPr>
-            <a:lvl5pPr marL="1828800" indent="0">
-              <a:buNone/>
-              <a:defRPr sz="900"/>
+            <a:lvl5pPr marL="10836918" indent="0">
+              <a:buNone/>
+              <a:defRPr sz="5333"/>
             </a:lvl5pPr>
-            <a:lvl6pPr marL="2286000" indent="0">
-              <a:buNone/>
-              <a:defRPr sz="900"/>
+            <a:lvl6pPr marL="13546145" indent="0">
+              <a:buNone/>
+              <a:defRPr sz="5333"/>
             </a:lvl6pPr>
-            <a:lvl7pPr marL="2743200" indent="0">
-              <a:buNone/>
-              <a:defRPr sz="900"/>
+            <a:lvl7pPr marL="16255377" indent="0">
+              <a:buNone/>
+              <a:defRPr sz="5333"/>
             </a:lvl7pPr>
-            <a:lvl8pPr marL="3200400" indent="0">
-              <a:buNone/>
-              <a:defRPr sz="900"/>
+            <a:lvl8pPr marL="18964610" indent="0">
+              <a:buNone/>
+              <a:defRPr sz="5333"/>
             </a:lvl8pPr>
-            <a:lvl9pPr marL="3657600" indent="0">
-              <a:buNone/>
-              <a:defRPr sz="900"/>
+            <a:lvl9pPr marL="21673836" indent="0">
+              <a:buNone/>
+              <a:defRPr sz="5333"/>
             </a:lvl9pPr>
           </a:lstStyle>
           <a:p>
@@ -2225,7 +2225,7 @@
           <a:p>
             <a:fld id="{848ED374-9BF1-45B8-B3D6-8E8C3556B9A5}" type="datetimeFigureOut">
               <a:rPr lang="pt-BR" smtClean="0"/>
-              <a:t>27/06/2016</a:t>
+              <a:t>28/06/2016</a:t>
             </a:fld>
             <a:endParaRPr lang="pt-BR"/>
           </a:p>
@@ -2310,15 +2310,15 @@
         </p:nvSpPr>
         <p:spPr>
           <a:xfrm>
-            <a:off x="1270160" y="6048534"/>
-            <a:ext cx="3888105" cy="714064"/>
+            <a:off x="8114795" y="35838923"/>
+            <a:ext cx="24840248" cy="4230990"/>
           </a:xfrm>
         </p:spPr>
         <p:txBody>
           <a:bodyPr anchor="b"/>
           <a:lstStyle>
             <a:lvl1pPr algn="l">
-              <a:defRPr sz="2000" b="1"/>
+              <a:defRPr sz="11850" b="1"/>
             </a:lvl1pPr>
           </a:lstStyle>
           <a:p>
@@ -2342,8 +2342,8 @@
         </p:nvSpPr>
         <p:spPr>
           <a:xfrm>
-            <a:off x="1270160" y="772068"/>
-            <a:ext cx="3888105" cy="5184458"/>
+            <a:off x="8114795" y="4574676"/>
+            <a:ext cx="24840248" cy="30719079"/>
           </a:xfrm>
         </p:spPr>
         <p:txBody>
@@ -2351,39 +2351,39 @@
           <a:lstStyle>
             <a:lvl1pPr marL="0" indent="0">
               <a:buNone/>
-              <a:defRPr sz="3200"/>
+              <a:defRPr sz="18961"/>
             </a:lvl1pPr>
-            <a:lvl2pPr marL="457200" indent="0">
-              <a:buNone/>
-              <a:defRPr sz="2800"/>
+            <a:lvl2pPr marL="2709233" indent="0">
+              <a:buNone/>
+              <a:defRPr sz="16591"/>
             </a:lvl2pPr>
-            <a:lvl3pPr marL="914400" indent="0">
-              <a:buNone/>
-              <a:defRPr sz="2400"/>
+            <a:lvl3pPr marL="5418465" indent="0">
+              <a:buNone/>
+              <a:defRPr sz="14220"/>
             </a:lvl3pPr>
-            <a:lvl4pPr marL="1371600" indent="0">
-              <a:buNone/>
-              <a:defRPr sz="2000"/>
+            <a:lvl4pPr marL="8127692" indent="0">
+              <a:buNone/>
+              <a:defRPr sz="11850"/>
             </a:lvl4pPr>
-            <a:lvl5pPr marL="1828800" indent="0">
-              <a:buNone/>
-              <a:defRPr sz="2000"/>
+            <a:lvl5pPr marL="10836918" indent="0">
+              <a:buNone/>
+              <a:defRPr sz="11850"/>
             </a:lvl5pPr>
-            <a:lvl6pPr marL="2286000" indent="0">
-              <a:buNone/>
-              <a:defRPr sz="2000"/>
+            <a:lvl6pPr marL="13546145" indent="0">
+              <a:buNone/>
+              <a:defRPr sz="11850"/>
             </a:lvl6pPr>
-            <a:lvl7pPr marL="2743200" indent="0">
-              <a:buNone/>
-              <a:defRPr sz="2000"/>
+            <a:lvl7pPr marL="16255377" indent="0">
+              <a:buNone/>
+              <a:defRPr sz="11850"/>
             </a:lvl7pPr>
-            <a:lvl8pPr marL="3200400" indent="0">
-              <a:buNone/>
-              <a:defRPr sz="2000"/>
+            <a:lvl8pPr marL="18964610" indent="0">
+              <a:buNone/>
+              <a:defRPr sz="11850"/>
             </a:lvl8pPr>
-            <a:lvl9pPr marL="3657600" indent="0">
-              <a:buNone/>
-              <a:defRPr sz="2000"/>
+            <a:lvl9pPr marL="21673836" indent="0">
+              <a:buNone/>
+              <a:defRPr sz="11850"/>
             </a:lvl9pPr>
           </a:lstStyle>
           <a:p>
@@ -2403,8 +2403,8 @@
         </p:nvSpPr>
         <p:spPr>
           <a:xfrm>
-            <a:off x="1270160" y="6762598"/>
-            <a:ext cx="3888105" cy="1014089"/>
+            <a:off x="8114795" y="40069946"/>
+            <a:ext cx="24840248" cy="6008705"/>
           </a:xfrm>
         </p:spPr>
         <p:txBody>
@@ -2412,39 +2412,39 @@
           <a:lstStyle>
             <a:lvl1pPr marL="0" indent="0">
               <a:buNone/>
-              <a:defRPr sz="1400"/>
+              <a:defRPr sz="8295"/>
             </a:lvl1pPr>
-            <a:lvl2pPr marL="457200" indent="0">
-              <a:buNone/>
-              <a:defRPr sz="1200"/>
+            <a:lvl2pPr marL="2709233" indent="0">
+              <a:buNone/>
+              <a:defRPr sz="7110"/>
             </a:lvl2pPr>
-            <a:lvl3pPr marL="914400" indent="0">
-              <a:buNone/>
-              <a:defRPr sz="1000"/>
+            <a:lvl3pPr marL="5418465" indent="0">
+              <a:buNone/>
+              <a:defRPr sz="5925"/>
             </a:lvl3pPr>
-            <a:lvl4pPr marL="1371600" indent="0">
-              <a:buNone/>
-              <a:defRPr sz="900"/>
+            <a:lvl4pPr marL="8127692" indent="0">
+              <a:buNone/>
+              <a:defRPr sz="5333"/>
             </a:lvl4pPr>
-            <a:lvl5pPr marL="1828800" indent="0">
-              <a:buNone/>
-              <a:defRPr sz="900"/>
+            <a:lvl5pPr marL="10836918" indent="0">
+              <a:buNone/>
+              <a:defRPr sz="5333"/>
             </a:lvl5pPr>
-            <a:lvl6pPr marL="2286000" indent="0">
-              <a:buNone/>
-              <a:defRPr sz="900"/>
+            <a:lvl6pPr marL="13546145" indent="0">
+              <a:buNone/>
+              <a:defRPr sz="5333"/>
             </a:lvl6pPr>
-            <a:lvl7pPr marL="2743200" indent="0">
-              <a:buNone/>
-              <a:defRPr sz="900"/>
+            <a:lvl7pPr marL="16255377" indent="0">
+              <a:buNone/>
+              <a:defRPr sz="5333"/>
             </a:lvl7pPr>
-            <a:lvl8pPr marL="3200400" indent="0">
-              <a:buNone/>
-              <a:defRPr sz="900"/>
+            <a:lvl8pPr marL="18964610" indent="0">
+              <a:buNone/>
+              <a:defRPr sz="5333"/>
             </a:lvl8pPr>
-            <a:lvl9pPr marL="3657600" indent="0">
-              <a:buNone/>
-              <a:defRPr sz="900"/>
+            <a:lvl9pPr marL="21673836" indent="0">
+              <a:buNone/>
+              <a:defRPr sz="5333"/>
             </a:lvl9pPr>
           </a:lstStyle>
           <a:p>
@@ -2473,7 +2473,7 @@
           <a:p>
             <a:fld id="{848ED374-9BF1-45B8-B3D6-8E8C3556B9A5}" type="datetimeFigureOut">
               <a:rPr lang="pt-BR" smtClean="0"/>
-              <a:t>27/06/2016</a:t>
+              <a:t>28/06/2016</a:t>
             </a:fld>
             <a:endParaRPr lang="pt-BR"/>
           </a:p>
@@ -2563,8 +2563,8 @@
         </p:nvSpPr>
         <p:spPr>
           <a:xfrm>
-            <a:off x="324009" y="346031"/>
-            <a:ext cx="5832158" cy="1440127"/>
+            <a:off x="2070022" y="2050338"/>
+            <a:ext cx="37260375" cy="8533076"/>
           </a:xfrm>
           <a:prstGeom prst="rect">
             <a:avLst/>
@@ -2596,8 +2596,8 @@
         </p:nvSpPr>
         <p:spPr>
           <a:xfrm>
-            <a:off x="324009" y="2016179"/>
-            <a:ext cx="5832158" cy="5702504"/>
+            <a:off x="2070022" y="11946314"/>
+            <a:ext cx="37260375" cy="33788618"/>
           </a:xfrm>
           <a:prstGeom prst="rect">
             <a:avLst/>
@@ -2658,8 +2658,8 @@
         </p:nvSpPr>
         <p:spPr>
           <a:xfrm>
-            <a:off x="324009" y="8008708"/>
-            <a:ext cx="1512041" cy="460041"/>
+            <a:off x="2070038" y="47453428"/>
+            <a:ext cx="9660097" cy="2725846"/>
           </a:xfrm>
           <a:prstGeom prst="rect">
             <a:avLst/>
@@ -2669,7 +2669,7 @@
           <a:bodyPr vert="horz" lIns="91440" tIns="45720" rIns="91440" bIns="45720" rtlCol="0" anchor="ctr"/>
           <a:lstStyle>
             <a:lvl1pPr algn="l">
-              <a:defRPr sz="1200">
+              <a:defRPr sz="7110">
                 <a:solidFill>
                   <a:schemeClr val="tx1">
                     <a:tint val="75000"/>
@@ -2681,7 +2681,7 @@
           <a:p>
             <a:fld id="{848ED374-9BF1-45B8-B3D6-8E8C3556B9A5}" type="datetimeFigureOut">
               <a:rPr lang="pt-BR" smtClean="0"/>
-              <a:t>27/06/2016</a:t>
+              <a:t>28/06/2016</a:t>
             </a:fld>
             <a:endParaRPr lang="pt-BR"/>
           </a:p>
@@ -2699,8 +2699,8 @@
         </p:nvSpPr>
         <p:spPr>
           <a:xfrm>
-            <a:off x="2214060" y="8008708"/>
-            <a:ext cx="2052055" cy="460041"/>
+            <a:off x="14145158" y="47453428"/>
+            <a:ext cx="13110128" cy="2725846"/>
           </a:xfrm>
           <a:prstGeom prst="rect">
             <a:avLst/>
@@ -2710,7 +2710,7 @@
           <a:bodyPr vert="horz" lIns="91440" tIns="45720" rIns="91440" bIns="45720" rtlCol="0" anchor="ctr"/>
           <a:lstStyle>
             <a:lvl1pPr algn="ctr">
-              <a:defRPr sz="1200">
+              <a:defRPr sz="7110">
                 <a:solidFill>
                   <a:schemeClr val="tx1">
                     <a:tint val="75000"/>
@@ -2736,8 +2736,8 @@
         </p:nvSpPr>
         <p:spPr>
           <a:xfrm>
-            <a:off x="4644125" y="8008708"/>
-            <a:ext cx="1512041" cy="460041"/>
+            <a:off x="29670310" y="47453428"/>
+            <a:ext cx="9660097" cy="2725846"/>
           </a:xfrm>
           <a:prstGeom prst="rect">
             <a:avLst/>
@@ -2747,7 +2747,7 @@
           <a:bodyPr vert="horz" lIns="91440" tIns="45720" rIns="91440" bIns="45720" rtlCol="0" anchor="ctr"/>
           <a:lstStyle>
             <a:lvl1pPr algn="r">
-              <a:defRPr sz="1200">
+              <a:defRPr sz="7110">
                 <a:solidFill>
                   <a:schemeClr val="tx1">
                     <a:tint val="75000"/>
@@ -2783,12 +2783,12 @@
   </p:sldLayoutIdLst>
   <p:txStyles>
     <p:titleStyle>
-      <a:lvl1pPr algn="ctr" defTabSz="914400" rtl="0" eaLnBrk="1" latinLnBrk="0" hangingPunct="1">
+      <a:lvl1pPr algn="ctr" defTabSz="5418465" rtl="0" eaLnBrk="1" latinLnBrk="0" hangingPunct="1">
         <a:spcBef>
           <a:spcPct val="0"/>
         </a:spcBef>
         <a:buNone/>
-        <a:defRPr sz="4400" kern="1200">
+        <a:defRPr sz="26071" kern="1200">
           <a:solidFill>
             <a:schemeClr val="tx1"/>
           </a:solidFill>
@@ -2799,13 +2799,13 @@
       </a:lvl1pPr>
     </p:titleStyle>
     <p:bodyStyle>
-      <a:lvl1pPr marL="342900" indent="-342900" algn="l" defTabSz="914400" rtl="0" eaLnBrk="1" latinLnBrk="0" hangingPunct="1">
+      <a:lvl1pPr marL="2031923" indent="-2031923" algn="l" defTabSz="5418465" rtl="0" eaLnBrk="1" latinLnBrk="0" hangingPunct="1">
         <a:spcBef>
           <a:spcPct val="20000"/>
         </a:spcBef>
         <a:buFont typeface="Arial" pitchFamily="34" charset="0"/>
         <a:buChar char="•"/>
-        <a:defRPr sz="3200" kern="1200">
+        <a:defRPr sz="18961" kern="1200">
           <a:solidFill>
             <a:schemeClr val="tx1"/>
           </a:solidFill>
@@ -2814,13 +2814,13 @@
           <a:cs typeface="+mn-cs"/>
         </a:defRPr>
       </a:lvl1pPr>
-      <a:lvl2pPr marL="742950" indent="-285750" algn="l" defTabSz="914400" rtl="0" eaLnBrk="1" latinLnBrk="0" hangingPunct="1">
+      <a:lvl2pPr marL="4402495" indent="-1693274" algn="l" defTabSz="5418465" rtl="0" eaLnBrk="1" latinLnBrk="0" hangingPunct="1">
         <a:spcBef>
           <a:spcPct val="20000"/>
         </a:spcBef>
         <a:buFont typeface="Arial" pitchFamily="34" charset="0"/>
         <a:buChar char="–"/>
-        <a:defRPr sz="2800" kern="1200">
+        <a:defRPr sz="16591" kern="1200">
           <a:solidFill>
             <a:schemeClr val="tx1"/>
           </a:solidFill>
@@ -2829,13 +2829,13 @@
           <a:cs typeface="+mn-cs"/>
         </a:defRPr>
       </a:lvl2pPr>
-      <a:lvl3pPr marL="1143000" indent="-228600" algn="l" defTabSz="914400" rtl="0" eaLnBrk="1" latinLnBrk="0" hangingPunct="1">
+      <a:lvl3pPr marL="6773072" indent="-1354613" algn="l" defTabSz="5418465" rtl="0" eaLnBrk="1" latinLnBrk="0" hangingPunct="1">
         <a:spcBef>
           <a:spcPct val="20000"/>
         </a:spcBef>
         <a:buFont typeface="Arial" pitchFamily="34" charset="0"/>
         <a:buChar char="•"/>
-        <a:defRPr sz="2400" kern="1200">
+        <a:defRPr sz="14220" kern="1200">
           <a:solidFill>
             <a:schemeClr val="tx1"/>
           </a:solidFill>
@@ -2844,13 +2844,13 @@
           <a:cs typeface="+mn-cs"/>
         </a:defRPr>
       </a:lvl3pPr>
-      <a:lvl4pPr marL="1600200" indent="-228600" algn="l" defTabSz="914400" rtl="0" eaLnBrk="1" latinLnBrk="0" hangingPunct="1">
+      <a:lvl4pPr marL="9482305" indent="-1354613" algn="l" defTabSz="5418465" rtl="0" eaLnBrk="1" latinLnBrk="0" hangingPunct="1">
         <a:spcBef>
           <a:spcPct val="20000"/>
         </a:spcBef>
         <a:buFont typeface="Arial" pitchFamily="34" charset="0"/>
         <a:buChar char="–"/>
-        <a:defRPr sz="2000" kern="1200">
+        <a:defRPr sz="11850" kern="1200">
           <a:solidFill>
             <a:schemeClr val="tx1"/>
           </a:solidFill>
@@ -2859,13 +2859,13 @@
           <a:cs typeface="+mn-cs"/>
         </a:defRPr>
       </a:lvl4pPr>
-      <a:lvl5pPr marL="2057400" indent="-228600" algn="l" defTabSz="914400" rtl="0" eaLnBrk="1" latinLnBrk="0" hangingPunct="1">
+      <a:lvl5pPr marL="12191537" indent="-1354613" algn="l" defTabSz="5418465" rtl="0" eaLnBrk="1" latinLnBrk="0" hangingPunct="1">
         <a:spcBef>
           <a:spcPct val="20000"/>
         </a:spcBef>
         <a:buFont typeface="Arial" pitchFamily="34" charset="0"/>
         <a:buChar char="»"/>
-        <a:defRPr sz="2000" kern="1200">
+        <a:defRPr sz="11850" kern="1200">
           <a:solidFill>
             <a:schemeClr val="tx1"/>
           </a:solidFill>
@@ -2874,13 +2874,13 @@
           <a:cs typeface="+mn-cs"/>
         </a:defRPr>
       </a:lvl5pPr>
-      <a:lvl6pPr marL="2514600" indent="-228600" algn="l" defTabSz="914400" rtl="0" eaLnBrk="1" latinLnBrk="0" hangingPunct="1">
+      <a:lvl6pPr marL="14900770" indent="-1354613" algn="l" defTabSz="5418465" rtl="0" eaLnBrk="1" latinLnBrk="0" hangingPunct="1">
         <a:spcBef>
           <a:spcPct val="20000"/>
         </a:spcBef>
         <a:buFont typeface="Arial" pitchFamily="34" charset="0"/>
         <a:buChar char="•"/>
-        <a:defRPr sz="2000" kern="1200">
+        <a:defRPr sz="11850" kern="1200">
           <a:solidFill>
             <a:schemeClr val="tx1"/>
           </a:solidFill>
@@ -2889,13 +2889,13 @@
           <a:cs typeface="+mn-cs"/>
         </a:defRPr>
       </a:lvl6pPr>
-      <a:lvl7pPr marL="2971800" indent="-228600" algn="l" defTabSz="914400" rtl="0" eaLnBrk="1" latinLnBrk="0" hangingPunct="1">
+      <a:lvl7pPr marL="17609991" indent="-1354613" algn="l" defTabSz="5418465" rtl="0" eaLnBrk="1" latinLnBrk="0" hangingPunct="1">
         <a:spcBef>
           <a:spcPct val="20000"/>
         </a:spcBef>
         <a:buFont typeface="Arial" pitchFamily="34" charset="0"/>
         <a:buChar char="•"/>
-        <a:defRPr sz="2000" kern="1200">
+        <a:defRPr sz="11850" kern="1200">
           <a:solidFill>
             <a:schemeClr val="tx1"/>
           </a:solidFill>
@@ -2904,13 +2904,13 @@
           <a:cs typeface="+mn-cs"/>
         </a:defRPr>
       </a:lvl7pPr>
-      <a:lvl8pPr marL="3429000" indent="-228600" algn="l" defTabSz="914400" rtl="0" eaLnBrk="1" latinLnBrk="0" hangingPunct="1">
+      <a:lvl8pPr marL="20319223" indent="-1354613" algn="l" defTabSz="5418465" rtl="0" eaLnBrk="1" latinLnBrk="0" hangingPunct="1">
         <a:spcBef>
           <a:spcPct val="20000"/>
         </a:spcBef>
         <a:buFont typeface="Arial" pitchFamily="34" charset="0"/>
         <a:buChar char="•"/>
-        <a:defRPr sz="2000" kern="1200">
+        <a:defRPr sz="11850" kern="1200">
           <a:solidFill>
             <a:schemeClr val="tx1"/>
           </a:solidFill>
@@ -2919,13 +2919,13 @@
           <a:cs typeface="+mn-cs"/>
         </a:defRPr>
       </a:lvl8pPr>
-      <a:lvl9pPr marL="3886200" indent="-228600" algn="l" defTabSz="914400" rtl="0" eaLnBrk="1" latinLnBrk="0" hangingPunct="1">
+      <a:lvl9pPr marL="23028450" indent="-1354613" algn="l" defTabSz="5418465" rtl="0" eaLnBrk="1" latinLnBrk="0" hangingPunct="1">
         <a:spcBef>
           <a:spcPct val="20000"/>
         </a:spcBef>
         <a:buFont typeface="Arial" pitchFamily="34" charset="0"/>
         <a:buChar char="•"/>
-        <a:defRPr sz="2000" kern="1200">
+        <a:defRPr sz="11850" kern="1200">
           <a:solidFill>
             <a:schemeClr val="tx1"/>
           </a:solidFill>
@@ -2939,8 +2939,8 @@
       <a:defPPr>
         <a:defRPr lang="pt-BR"/>
       </a:defPPr>
-      <a:lvl1pPr marL="0" algn="l" defTabSz="914400" rtl="0" eaLnBrk="1" latinLnBrk="0" hangingPunct="1">
-        <a:defRPr sz="1800" kern="1200">
+      <a:lvl1pPr marL="0" algn="l" defTabSz="5418465" rtl="0" eaLnBrk="1" latinLnBrk="0" hangingPunct="1">
+        <a:defRPr sz="10665" kern="1200">
           <a:solidFill>
             <a:schemeClr val="tx1"/>
           </a:solidFill>
@@ -2949,8 +2949,8 @@
           <a:cs typeface="+mn-cs"/>
         </a:defRPr>
       </a:lvl1pPr>
-      <a:lvl2pPr marL="457200" algn="l" defTabSz="914400" rtl="0" eaLnBrk="1" latinLnBrk="0" hangingPunct="1">
-        <a:defRPr sz="1800" kern="1200">
+      <a:lvl2pPr marL="2709233" algn="l" defTabSz="5418465" rtl="0" eaLnBrk="1" latinLnBrk="0" hangingPunct="1">
+        <a:defRPr sz="10665" kern="1200">
           <a:solidFill>
             <a:schemeClr val="tx1"/>
           </a:solidFill>
@@ -2959,8 +2959,8 @@
           <a:cs typeface="+mn-cs"/>
         </a:defRPr>
       </a:lvl2pPr>
-      <a:lvl3pPr marL="914400" algn="l" defTabSz="914400" rtl="0" eaLnBrk="1" latinLnBrk="0" hangingPunct="1">
-        <a:defRPr sz="1800" kern="1200">
+      <a:lvl3pPr marL="5418465" algn="l" defTabSz="5418465" rtl="0" eaLnBrk="1" latinLnBrk="0" hangingPunct="1">
+        <a:defRPr sz="10665" kern="1200">
           <a:solidFill>
             <a:schemeClr val="tx1"/>
           </a:solidFill>
@@ -2969,8 +2969,8 @@
           <a:cs typeface="+mn-cs"/>
         </a:defRPr>
       </a:lvl3pPr>
-      <a:lvl4pPr marL="1371600" algn="l" defTabSz="914400" rtl="0" eaLnBrk="1" latinLnBrk="0" hangingPunct="1">
-        <a:defRPr sz="1800" kern="1200">
+      <a:lvl4pPr marL="8127692" algn="l" defTabSz="5418465" rtl="0" eaLnBrk="1" latinLnBrk="0" hangingPunct="1">
+        <a:defRPr sz="10665" kern="1200">
           <a:solidFill>
             <a:schemeClr val="tx1"/>
           </a:solidFill>
@@ -2979,8 +2979,8 @@
           <a:cs typeface="+mn-cs"/>
         </a:defRPr>
       </a:lvl4pPr>
-      <a:lvl5pPr marL="1828800" algn="l" defTabSz="914400" rtl="0" eaLnBrk="1" latinLnBrk="0" hangingPunct="1">
-        <a:defRPr sz="1800" kern="1200">
+      <a:lvl5pPr marL="10836918" algn="l" defTabSz="5418465" rtl="0" eaLnBrk="1" latinLnBrk="0" hangingPunct="1">
+        <a:defRPr sz="10665" kern="1200">
           <a:solidFill>
             <a:schemeClr val="tx1"/>
           </a:solidFill>
@@ -2989,8 +2989,8 @@
           <a:cs typeface="+mn-cs"/>
         </a:defRPr>
       </a:lvl5pPr>
-      <a:lvl6pPr marL="2286000" algn="l" defTabSz="914400" rtl="0" eaLnBrk="1" latinLnBrk="0" hangingPunct="1">
-        <a:defRPr sz="1800" kern="1200">
+      <a:lvl6pPr marL="13546145" algn="l" defTabSz="5418465" rtl="0" eaLnBrk="1" latinLnBrk="0" hangingPunct="1">
+        <a:defRPr sz="10665" kern="1200">
           <a:solidFill>
             <a:schemeClr val="tx1"/>
           </a:solidFill>
@@ -2999,8 +2999,8 @@
           <a:cs typeface="+mn-cs"/>
         </a:defRPr>
       </a:lvl6pPr>
-      <a:lvl7pPr marL="2743200" algn="l" defTabSz="914400" rtl="0" eaLnBrk="1" latinLnBrk="0" hangingPunct="1">
-        <a:defRPr sz="1800" kern="1200">
+      <a:lvl7pPr marL="16255377" algn="l" defTabSz="5418465" rtl="0" eaLnBrk="1" latinLnBrk="0" hangingPunct="1">
+        <a:defRPr sz="10665" kern="1200">
           <a:solidFill>
             <a:schemeClr val="tx1"/>
           </a:solidFill>
@@ -3009,8 +3009,8 @@
           <a:cs typeface="+mn-cs"/>
         </a:defRPr>
       </a:lvl7pPr>
-      <a:lvl8pPr marL="3200400" algn="l" defTabSz="914400" rtl="0" eaLnBrk="1" latinLnBrk="0" hangingPunct="1">
-        <a:defRPr sz="1800" kern="1200">
+      <a:lvl8pPr marL="18964610" algn="l" defTabSz="5418465" rtl="0" eaLnBrk="1" latinLnBrk="0" hangingPunct="1">
+        <a:defRPr sz="10665" kern="1200">
           <a:solidFill>
             <a:schemeClr val="tx1"/>
           </a:solidFill>
@@ -3019,8 +3019,8 @@
           <a:cs typeface="+mn-cs"/>
         </a:defRPr>
       </a:lvl8pPr>
-      <a:lvl9pPr marL="3657600" algn="l" defTabSz="914400" rtl="0" eaLnBrk="1" latinLnBrk="0" hangingPunct="1">
-        <a:defRPr sz="1800" kern="1200">
+      <a:lvl9pPr marL="21673836" algn="l" defTabSz="5418465" rtl="0" eaLnBrk="1" latinLnBrk="0" hangingPunct="1">
+        <a:defRPr sz="10665" kern="1200">
           <a:solidFill>
             <a:schemeClr val="tx1"/>
           </a:solidFill>
@@ -3073,8 +3073,8 @@
         </p:blipFill>
         <p:spPr bwMode="auto">
           <a:xfrm>
-            <a:off x="1655911" y="1252768"/>
-            <a:ext cx="3506081" cy="1695626"/>
+            <a:off x="11555190" y="8135441"/>
+            <a:ext cx="20090232" cy="10234990"/>
           </a:xfrm>
           <a:prstGeom prst="rect">
             <a:avLst/>
@@ -3101,8 +3101,8 @@
         </p:nvSpPr>
         <p:spPr>
           <a:xfrm>
-            <a:off x="1612561" y="217729"/>
-            <a:ext cx="4582294" cy="1428515"/>
+            <a:off x="11056748" y="1290109"/>
+            <a:ext cx="27151123" cy="8464273"/>
           </a:xfrm>
           <a:prstGeom prst="rect">
             <a:avLst/>
@@ -3113,45 +3113,34 @@
           </a:ln>
         </p:spPr>
         <p:txBody>
-          <a:bodyPr vert="horz" lIns="91440" tIns="45720" rIns="91440" bIns="45720" rtlCol="0" anchor="ctr">
-            <a:normAutofit fontScale="77500" lnSpcReduction="20000"/>
+          <a:bodyPr vert="horz" lIns="541803" tIns="270901" rIns="541803" bIns="270901" rtlCol="0" anchor="ctr">
+            <a:normAutofit fontScale="85000" lnSpcReduction="10000"/>
           </a:bodyPr>
           <a:lstStyle/>
           <a:p>
-            <a:pPr marL="0" marR="0" lvl="0" indent="0" algn="ctr" defTabSz="914400" rtl="0" eaLnBrk="1" fontAlgn="auto" latinLnBrk="0" hangingPunct="1">
-              <a:lnSpc>
-                <a:spcPct val="100000"/>
-              </a:lnSpc>
+            <a:pPr algn="ctr" defTabSz="5418465">
               <a:spcBef>
                 <a:spcPct val="0"/>
               </a:spcBef>
-              <a:spcAft>
-                <a:spcPts val="0"/>
-              </a:spcAft>
-              <a:buClrTx/>
-              <a:buSzTx/>
-              <a:buFontTx/>
-              <a:buNone/>
-              <a:tabLst/>
               <a:defRPr/>
             </a:pPr>
             <a:r>
-              <a:rPr lang="pt-BR" sz="2200" b="1" baseline="0" dirty="0" smtClean="0">
+              <a:rPr lang="pt-BR" sz="13035" b="1" dirty="0">
                 <a:latin typeface="+mj-lt"/>
                 <a:ea typeface="+mj-ea"/>
                 <a:cs typeface="+mj-cs"/>
               </a:rPr>
-              <a:t>Projeto </a:t>
-            </a:r>
-            <a:r>
-              <a:rPr lang="pt-BR" sz="2200" b="1" baseline="0" dirty="0" smtClean="0">
+              <a:t>Projeto Interdisciplinar </a:t>
+            </a:r>
+            <a:r>
+              <a:rPr lang="pt-BR" sz="13035" b="1" dirty="0" smtClean="0">
                 <a:latin typeface="+mj-lt"/>
                 <a:ea typeface="+mj-ea"/>
                 <a:cs typeface="+mj-cs"/>
               </a:rPr>
-              <a:t>Interdisciplinar III</a:t>
-            </a:r>
-            <a:endParaRPr lang="pt-BR" sz="2200" b="1" dirty="0" smtClean="0">
+              <a:t>III - Bovespa</a:t>
+            </a:r>
+            <a:endParaRPr lang="pt-BR" sz="13035" b="1" dirty="0">
               <a:latin typeface="+mj-lt"/>
               <a:ea typeface="+mj-ea"/>
               <a:cs typeface="+mj-cs"/>
@@ -3163,10 +3152,11 @@
                 <a:spcPct val="0"/>
               </a:spcBef>
             </a:pPr>
-            <a:r>
-              <a:rPr lang="pt-BR" sz="1500" dirty="0" smtClean="0"/>
-              <a:t>Análise e Desenvolvimento de Sistemas</a:t>
-            </a:r>
+            <a:endParaRPr lang="pt-BR" sz="8888" dirty="0">
+              <a:latin typeface="+mj-lt"/>
+              <a:ea typeface="+mj-ea"/>
+              <a:cs typeface="+mj-cs"/>
+            </a:endParaRPr>
           </a:p>
           <a:p>
             <a:pPr lvl="0" algn="ctr">
@@ -3175,8 +3165,20 @@
               </a:spcBef>
             </a:pPr>
             <a:r>
-              <a:rPr lang="pt-BR" sz="1500" dirty="0" smtClean="0"/>
-              <a:t>Sistemas de Informação</a:t>
+              <a:rPr lang="pt-BR" sz="8295" b="1" dirty="0" smtClean="0">
+                <a:latin typeface="+mj-lt"/>
+                <a:ea typeface="+mj-ea"/>
+                <a:cs typeface="+mj-cs"/>
+              </a:rPr>
+              <a:t>Orientadores:</a:t>
+            </a:r>
+            <a:r>
+              <a:rPr lang="pt-BR" sz="8295" dirty="0" smtClean="0">
+                <a:latin typeface="+mj-lt"/>
+                <a:ea typeface="+mj-ea"/>
+                <a:cs typeface="+mj-cs"/>
+              </a:rPr>
+              <a:t> </a:t>
             </a:r>
           </a:p>
           <a:p>
@@ -3185,11 +3187,82 @@
                 <a:spcPct val="0"/>
               </a:spcBef>
             </a:pPr>
-            <a:endParaRPr lang="pt-BR" sz="1500" dirty="0" smtClean="0">
-              <a:latin typeface="+mj-lt"/>
-              <a:ea typeface="+mj-ea"/>
-              <a:cs typeface="+mj-cs"/>
-            </a:endParaRPr>
+            <a:r>
+              <a:rPr lang="pt-BR" sz="7000" dirty="0" smtClean="0"/>
+              <a:t>André Ribeiro</a:t>
+            </a:r>
+            <a:r>
+              <a:rPr lang="pt-BR" sz="7000" dirty="0" smtClean="0">
+                <a:latin typeface="+mj-lt"/>
+                <a:ea typeface="+mj-ea"/>
+                <a:cs typeface="+mj-cs"/>
+              </a:rPr>
+              <a:t>; </a:t>
+            </a:r>
+            <a:r>
+              <a:rPr lang="pt-BR" sz="7000" dirty="0" err="1"/>
+              <a:t>Cledson</a:t>
+            </a:r>
+            <a:r>
+              <a:rPr lang="pt-BR" sz="7000" dirty="0"/>
+              <a:t> </a:t>
+            </a:r>
+            <a:r>
+              <a:rPr lang="pt-BR" sz="7000" dirty="0" smtClean="0"/>
+              <a:t>Sousa</a:t>
+            </a:r>
+            <a:r>
+              <a:rPr lang="pt-BR" sz="7000" dirty="0" smtClean="0">
+                <a:latin typeface="+mj-lt"/>
+                <a:ea typeface="+mj-ea"/>
+                <a:cs typeface="+mj-cs"/>
+              </a:rPr>
+              <a:t>; </a:t>
+            </a:r>
+            <a:r>
+              <a:rPr lang="pt-BR" sz="7000" dirty="0"/>
+              <a:t>Vitor </a:t>
+            </a:r>
+            <a:r>
+              <a:rPr lang="pt-BR" sz="7000" dirty="0" err="1" smtClean="0"/>
+              <a:t>Faiçal</a:t>
+            </a:r>
+            <a:r>
+              <a:rPr lang="pt-BR" sz="7000" dirty="0" smtClean="0">
+                <a:latin typeface="+mj-lt"/>
+                <a:ea typeface="+mj-ea"/>
+                <a:cs typeface="+mj-cs"/>
+              </a:rPr>
+              <a:t>; </a:t>
+            </a:r>
+            <a:r>
+              <a:rPr lang="pt-BR" sz="7000" dirty="0"/>
+              <a:t>Luciene Santana</a:t>
+            </a:r>
+            <a:r>
+              <a:rPr lang="pt-BR" sz="7000" dirty="0">
+                <a:latin typeface="+mj-lt"/>
+                <a:ea typeface="+mj-ea"/>
+                <a:cs typeface="+mj-cs"/>
+              </a:rPr>
+              <a:t>; Edgar </a:t>
+            </a:r>
+            <a:r>
+              <a:rPr lang="pt-BR" sz="7000" dirty="0" err="1">
+                <a:latin typeface="+mj-lt"/>
+                <a:ea typeface="+mj-ea"/>
+                <a:cs typeface="+mj-cs"/>
+              </a:rPr>
+              <a:t>Eler</a:t>
+            </a:r>
+            <a:r>
+              <a:rPr lang="pt-BR" sz="7000" dirty="0">
+                <a:latin typeface="+mj-lt"/>
+                <a:ea typeface="+mj-ea"/>
+                <a:cs typeface="+mj-cs"/>
+              </a:rPr>
+              <a:t>. </a:t>
+            </a:r>
           </a:p>
           <a:p>
             <a:pPr lvl="0" algn="ctr">
@@ -3198,97 +3271,46 @@
               </a:spcBef>
             </a:pPr>
             <a:r>
-              <a:rPr lang="pt-BR" sz="1400" b="1" dirty="0" smtClean="0">
+              <a:rPr lang="pt-BR" sz="8888" dirty="0">
                 <a:latin typeface="+mj-lt"/>
                 <a:ea typeface="+mj-ea"/>
                 <a:cs typeface="+mj-cs"/>
               </a:rPr>
-              <a:t>Professores:</a:t>
-            </a:r>
-            <a:r>
-              <a:rPr lang="pt-BR" sz="1400" dirty="0" smtClean="0">
+              <a:t>  </a:t>
+            </a:r>
+            <a:endParaRPr lang="pt-BR" sz="8888" dirty="0">
+              <a:latin typeface="+mj-lt"/>
+              <a:ea typeface="+mj-ea"/>
+              <a:cs typeface="+mj-cs"/>
+            </a:endParaRPr>
+          </a:p>
+          <a:p>
+            <a:pPr lvl="0" algn="ctr">
+              <a:spcBef>
+                <a:spcPct val="0"/>
+              </a:spcBef>
+            </a:pPr>
+            <a:r>
+              <a:rPr lang="pt-BR" sz="8295" b="1" dirty="0">
+                <a:latin typeface="+mj-lt"/>
+                <a:ea typeface="+mj-ea"/>
+                <a:cs typeface="+mj-cs"/>
+              </a:rPr>
+              <a:t>Alunos:</a:t>
+            </a:r>
+            <a:r>
+              <a:rPr lang="pt-BR" sz="8295" dirty="0">
                 <a:latin typeface="+mj-lt"/>
                 <a:ea typeface="+mj-ea"/>
                 <a:cs typeface="+mj-cs"/>
               </a:rPr>
               <a:t> </a:t>
             </a:r>
-            <a:r>
-              <a:rPr lang="pt-BR" sz="1400" dirty="0"/>
-              <a:t>André Ribeiro da Silva</a:t>
-            </a:r>
-            <a:r>
-              <a:rPr lang="pt-BR" sz="1400" dirty="0" smtClean="0">
-                <a:latin typeface="+mj-lt"/>
-                <a:ea typeface="+mj-ea"/>
-                <a:cs typeface="+mj-cs"/>
-              </a:rPr>
-              <a:t>; </a:t>
-            </a:r>
-            <a:r>
-              <a:rPr lang="pt-BR" sz="1400" dirty="0" err="1"/>
-              <a:t>Cledson</a:t>
-            </a:r>
-            <a:r>
-              <a:rPr lang="pt-BR" sz="1400" dirty="0"/>
-              <a:t> Sousa Malaquias</a:t>
-            </a:r>
-            <a:r>
-              <a:rPr lang="pt-BR" sz="1400" dirty="0" smtClean="0">
-                <a:latin typeface="+mj-lt"/>
-                <a:ea typeface="+mj-ea"/>
-                <a:cs typeface="+mj-cs"/>
-              </a:rPr>
-              <a:t>; </a:t>
-            </a:r>
-            <a:r>
-              <a:rPr lang="pt-BR" sz="1400" dirty="0"/>
-              <a:t>Vitor </a:t>
-            </a:r>
-            <a:r>
-              <a:rPr lang="pt-BR" sz="1400" dirty="0" err="1"/>
-              <a:t>Faiçal</a:t>
-            </a:r>
-            <a:r>
-              <a:rPr lang="pt-BR" sz="1400" dirty="0"/>
-              <a:t> Campana</a:t>
-            </a:r>
-            <a:r>
-              <a:rPr lang="pt-BR" sz="1400" dirty="0" smtClean="0">
-                <a:latin typeface="+mj-lt"/>
-                <a:ea typeface="+mj-ea"/>
-                <a:cs typeface="+mj-cs"/>
-              </a:rPr>
-              <a:t>; </a:t>
-            </a:r>
-            <a:r>
-              <a:rPr lang="pt-BR" sz="1400" dirty="0"/>
-              <a:t>Luciene Santana</a:t>
-            </a:r>
-            <a:r>
-              <a:rPr lang="pt-BR" sz="1400" dirty="0" smtClean="0">
-                <a:latin typeface="+mj-lt"/>
-                <a:ea typeface="+mj-ea"/>
-                <a:cs typeface="+mj-cs"/>
-              </a:rPr>
-              <a:t>; Edgar </a:t>
-            </a:r>
-            <a:r>
-              <a:rPr lang="pt-BR" sz="1400" dirty="0" err="1" smtClean="0">
-                <a:latin typeface="+mj-lt"/>
-                <a:ea typeface="+mj-ea"/>
-                <a:cs typeface="+mj-cs"/>
-              </a:rPr>
-              <a:t>Eler</a:t>
-            </a:r>
-            <a:r>
-              <a:rPr lang="pt-BR" sz="1400" dirty="0" smtClean="0">
-                <a:latin typeface="+mj-lt"/>
-                <a:ea typeface="+mj-ea"/>
-                <a:cs typeface="+mj-cs"/>
-              </a:rPr>
-              <a:t>. </a:t>
-            </a:r>
+            <a:endParaRPr lang="pt-BR" sz="8295" dirty="0" smtClean="0">
+              <a:latin typeface="+mj-lt"/>
+              <a:ea typeface="+mj-ea"/>
+              <a:cs typeface="+mj-cs"/>
+            </a:endParaRPr>
           </a:p>
           <a:p>
             <a:pPr lvl="0" algn="ctr">
@@ -3297,81 +3319,21 @@
               </a:spcBef>
             </a:pPr>
             <a:r>
-              <a:rPr lang="pt-BR" sz="1500" dirty="0" smtClean="0">
+              <a:rPr lang="pt-BR" sz="9300" dirty="0" smtClean="0">
                 <a:latin typeface="+mj-lt"/>
                 <a:ea typeface="+mj-ea"/>
                 <a:cs typeface="+mj-cs"/>
               </a:rPr>
-              <a:t>  </a:t>
-            </a:r>
-            <a:endParaRPr lang="pt-BR" sz="1500" dirty="0">
-              <a:latin typeface="+mj-lt"/>
-              <a:ea typeface="+mj-ea"/>
-              <a:cs typeface="+mj-cs"/>
-            </a:endParaRPr>
-          </a:p>
-          <a:p>
-            <a:pPr lvl="0" algn="ctr">
-              <a:spcBef>
-                <a:spcPct val="0"/>
-              </a:spcBef>
-            </a:pPr>
-            <a:r>
-              <a:rPr kumimoji="0" lang="pt-BR" sz="1400" b="1" i="0" u="none" strike="noStrike" kern="1200" cap="none" spc="0" normalizeH="0" baseline="0" noProof="0" dirty="0" smtClean="0">
-                <a:ln>
-                  <a:noFill/>
-                </a:ln>
-                <a:solidFill>
-                  <a:schemeClr val="tx1"/>
-                </a:solidFill>
-                <a:effectLst/>
-                <a:uLnTx/>
-                <a:uFillTx/>
+              <a:t>Bruno </a:t>
+            </a:r>
+            <a:r>
+              <a:rPr lang="pt-BR" sz="9300" dirty="0">
                 <a:latin typeface="+mj-lt"/>
                 <a:ea typeface="+mj-ea"/>
                 <a:cs typeface="+mj-cs"/>
               </a:rPr>
-              <a:t>Alunos:</a:t>
-            </a:r>
-            <a:r>
-              <a:rPr kumimoji="0" lang="pt-BR" sz="1400" b="0" i="0" u="none" strike="noStrike" kern="1200" cap="none" spc="0" normalizeH="0" noProof="0" dirty="0" smtClean="0">
-                <a:ln>
-                  <a:noFill/>
-                </a:ln>
-                <a:solidFill>
-                  <a:schemeClr val="tx1"/>
-                </a:solidFill>
-                <a:effectLst/>
-                <a:uLnTx/>
-                <a:uFillTx/>
-                <a:latin typeface="+mj-lt"/>
-                <a:ea typeface="+mj-ea"/>
-                <a:cs typeface="+mj-cs"/>
-              </a:rPr>
-              <a:t> </a:t>
-            </a:r>
-            <a:r>
-              <a:rPr lang="pt-BR" sz="1400" dirty="0" smtClean="0">
-                <a:latin typeface="+mj-lt"/>
-                <a:ea typeface="+mj-ea"/>
-                <a:cs typeface="+mj-cs"/>
-              </a:rPr>
-              <a:t>Bruno Brandão; Everaldo Cardoso; Rafael Rufino; Walter Júnior.</a:t>
-            </a:r>
-            <a:endParaRPr kumimoji="0" lang="pt-BR" sz="1400" b="0" i="0" u="none" strike="noStrike" kern="1200" cap="none" spc="0" normalizeH="0" baseline="0" noProof="0" dirty="0" smtClean="0">
-              <a:ln>
-                <a:noFill/>
-              </a:ln>
-              <a:solidFill>
-                <a:schemeClr val="tx1"/>
-              </a:solidFill>
-              <a:effectLst/>
-              <a:uLnTx/>
-              <a:uFillTx/>
-              <a:latin typeface="+mj-lt"/>
-              <a:ea typeface="+mj-ea"/>
-              <a:cs typeface="+mj-cs"/>
-            </a:endParaRPr>
+              <a:t>Brandão; Everaldo Cardoso; Rafael Rufino; Walter Júnior.</a:t>
+            </a:r>
           </a:p>
         </p:txBody>
       </p:sp>
@@ -3385,8 +3347,8 @@
         </p:nvSpPr>
         <p:spPr>
           <a:xfrm>
-            <a:off x="316225" y="3312269"/>
-            <a:ext cx="3067878" cy="4320479"/>
+            <a:off x="3375665" y="20634079"/>
+            <a:ext cx="18177868" cy="25599810"/>
           </a:xfrm>
           <a:prstGeom prst="rect">
             <a:avLst/>
@@ -3397,85 +3359,52 @@
           </a:ln>
         </p:spPr>
         <p:txBody>
-          <a:bodyPr vert="horz" lIns="91440" tIns="45720" rIns="91440" bIns="45720" rtlCol="0" anchor="t">
+          <a:bodyPr vert="horz" lIns="541803" tIns="270901" rIns="541803" bIns="270901" rtlCol="0" anchor="t">
             <a:normAutofit/>
           </a:bodyPr>
           <a:lstStyle/>
           <a:p>
-            <a:pPr marL="0" marR="0" lvl="0" indent="0" algn="just" defTabSz="914400" rtl="0" eaLnBrk="1" fontAlgn="auto" latinLnBrk="0" hangingPunct="1">
-              <a:lnSpc>
-                <a:spcPct val="100000"/>
-              </a:lnSpc>
+            <a:pPr algn="just" defTabSz="5418465">
               <a:spcBef>
                 <a:spcPct val="0"/>
               </a:spcBef>
-              <a:spcAft>
-                <a:spcPts val="0"/>
-              </a:spcAft>
-              <a:buClrTx/>
-              <a:buSzTx/>
-              <a:buFontTx/>
-              <a:buNone/>
-              <a:tabLst/>
               <a:defRPr/>
             </a:pPr>
-            <a:endParaRPr lang="pt-BR" sz="1600" dirty="0" smtClean="0">
+            <a:endParaRPr lang="pt-BR" sz="9480" dirty="0">
               <a:latin typeface="+mj-lt"/>
               <a:ea typeface="+mj-ea"/>
               <a:cs typeface="+mj-cs"/>
             </a:endParaRPr>
           </a:p>
           <a:p>
-            <a:pPr marL="0" marR="0" lvl="0" indent="0" algn="just" defTabSz="914400" rtl="0" eaLnBrk="1" fontAlgn="auto" latinLnBrk="0" hangingPunct="1">
-              <a:lnSpc>
-                <a:spcPct val="100000"/>
-              </a:lnSpc>
+            <a:pPr algn="just" defTabSz="5418465">
               <a:spcBef>
                 <a:spcPct val="0"/>
               </a:spcBef>
-              <a:spcAft>
-                <a:spcPts val="0"/>
-              </a:spcAft>
-              <a:buClrTx/>
-              <a:buSzTx/>
-              <a:buFontTx/>
-              <a:buNone/>
-              <a:tabLst/>
               <a:defRPr/>
             </a:pPr>
-            <a:endParaRPr lang="pt-BR" sz="2000" dirty="0" smtClean="0">
+            <a:endParaRPr lang="pt-BR" sz="11850" dirty="0">
               <a:latin typeface="+mj-lt"/>
               <a:ea typeface="+mj-ea"/>
               <a:cs typeface="+mj-cs"/>
             </a:endParaRPr>
           </a:p>
           <a:p>
-            <a:pPr marL="0" marR="0" lvl="0" indent="0" algn="just" defTabSz="914400" rtl="0" eaLnBrk="1" fontAlgn="auto" latinLnBrk="0" hangingPunct="1">
-              <a:lnSpc>
-                <a:spcPct val="100000"/>
-              </a:lnSpc>
+            <a:pPr algn="just" defTabSz="5418465">
               <a:spcBef>
                 <a:spcPct val="0"/>
               </a:spcBef>
-              <a:spcAft>
-                <a:spcPts val="0"/>
-              </a:spcAft>
-              <a:buClrTx/>
-              <a:buSzTx/>
-              <a:buFontTx/>
-              <a:buNone/>
-              <a:tabLst/>
               <a:defRPr/>
             </a:pPr>
             <a:r>
-              <a:rPr lang="pt-BR" sz="2000" dirty="0" smtClean="0">
+              <a:rPr lang="pt-BR" sz="11850" dirty="0">
                 <a:latin typeface="+mj-lt"/>
                 <a:ea typeface="+mj-ea"/>
                 <a:cs typeface="+mj-cs"/>
               </a:rPr>
               <a:t> </a:t>
             </a:r>
-            <a:endParaRPr lang="pt-BR" sz="2000" dirty="0">
+            <a:endParaRPr lang="pt-BR" sz="11850" dirty="0">
               <a:latin typeface="+mj-lt"/>
               <a:ea typeface="+mj-ea"/>
               <a:cs typeface="+mj-cs"/>
@@ -3484,298 +3413,166 @@
           <a:p>
             <a:pPr hangingPunct="0"/>
             <a:r>
-              <a:rPr lang="pt-BR" sz="2000" dirty="0" smtClean="0"/>
+              <a:rPr lang="pt-BR" sz="11850" dirty="0"/>
               <a:t>                                     </a:t>
             </a:r>
-            <a:endParaRPr lang="pt-BR" sz="2000" dirty="0">
+            <a:endParaRPr lang="pt-BR" sz="11850" dirty="0">
               <a:latin typeface="+mj-lt"/>
               <a:ea typeface="+mj-ea"/>
               <a:cs typeface="+mj-cs"/>
             </a:endParaRPr>
           </a:p>
           <a:p>
-            <a:pPr marL="0" marR="0" lvl="0" indent="0" algn="just" defTabSz="914400" rtl="0" eaLnBrk="1" fontAlgn="auto" latinLnBrk="0" hangingPunct="1">
-              <a:lnSpc>
-                <a:spcPct val="100000"/>
-              </a:lnSpc>
+            <a:pPr algn="just" defTabSz="5418465">
               <a:spcBef>
                 <a:spcPct val="0"/>
               </a:spcBef>
-              <a:spcAft>
-                <a:spcPts val="0"/>
-              </a:spcAft>
-              <a:buClrTx/>
-              <a:buSzTx/>
-              <a:buFontTx/>
-              <a:buNone/>
-              <a:tabLst/>
               <a:defRPr/>
             </a:pPr>
-            <a:endParaRPr lang="pt-BR" sz="2000" dirty="0" smtClean="0">
+            <a:endParaRPr lang="pt-BR" sz="11850" dirty="0">
               <a:latin typeface="+mj-lt"/>
               <a:ea typeface="+mj-ea"/>
               <a:cs typeface="+mj-cs"/>
             </a:endParaRPr>
           </a:p>
           <a:p>
-            <a:pPr marL="0" marR="0" lvl="0" indent="0" algn="just" defTabSz="914400" rtl="0" eaLnBrk="1" fontAlgn="auto" latinLnBrk="0" hangingPunct="1">
-              <a:lnSpc>
-                <a:spcPct val="100000"/>
-              </a:lnSpc>
+            <a:pPr algn="just" defTabSz="5418465">
               <a:spcBef>
                 <a:spcPct val="0"/>
               </a:spcBef>
-              <a:spcAft>
-                <a:spcPts val="0"/>
-              </a:spcAft>
-              <a:buClrTx/>
-              <a:buSzTx/>
-              <a:buFontTx/>
-              <a:buNone/>
-              <a:tabLst/>
               <a:defRPr/>
             </a:pPr>
-            <a:endParaRPr lang="pt-BR" sz="2000" dirty="0">
+            <a:endParaRPr lang="pt-BR" sz="11850" dirty="0">
               <a:latin typeface="+mj-lt"/>
               <a:ea typeface="+mj-ea"/>
               <a:cs typeface="+mj-cs"/>
             </a:endParaRPr>
           </a:p>
           <a:p>
-            <a:pPr marL="0" marR="0" lvl="0" indent="0" algn="just" defTabSz="914400" rtl="0" eaLnBrk="1" fontAlgn="auto" latinLnBrk="0" hangingPunct="1">
-              <a:lnSpc>
-                <a:spcPct val="100000"/>
-              </a:lnSpc>
+            <a:pPr algn="just" defTabSz="5418465">
               <a:spcBef>
                 <a:spcPct val="0"/>
               </a:spcBef>
-              <a:spcAft>
-                <a:spcPts val="0"/>
-              </a:spcAft>
-              <a:buClrTx/>
-              <a:buSzTx/>
-              <a:buFontTx/>
-              <a:buNone/>
-              <a:tabLst/>
               <a:defRPr/>
             </a:pPr>
-            <a:endParaRPr lang="pt-BR" sz="2000" dirty="0" smtClean="0">
+            <a:endParaRPr lang="pt-BR" sz="11850" dirty="0">
               <a:latin typeface="+mj-lt"/>
               <a:ea typeface="+mj-ea"/>
               <a:cs typeface="+mj-cs"/>
             </a:endParaRPr>
           </a:p>
           <a:p>
-            <a:pPr marL="0" marR="0" lvl="0" indent="0" algn="just" defTabSz="914400" rtl="0" eaLnBrk="1" fontAlgn="auto" latinLnBrk="0" hangingPunct="1">
-              <a:lnSpc>
-                <a:spcPct val="100000"/>
-              </a:lnSpc>
+            <a:pPr algn="just" defTabSz="5418465">
               <a:spcBef>
                 <a:spcPct val="0"/>
               </a:spcBef>
-              <a:spcAft>
-                <a:spcPts val="0"/>
-              </a:spcAft>
-              <a:buClrTx/>
-              <a:buSzTx/>
-              <a:buFontTx/>
-              <a:buNone/>
-              <a:tabLst/>
               <a:defRPr/>
             </a:pPr>
-            <a:endParaRPr lang="pt-BR" sz="2000" dirty="0">
+            <a:endParaRPr lang="pt-BR" sz="11850" dirty="0">
               <a:latin typeface="+mj-lt"/>
               <a:ea typeface="+mj-ea"/>
               <a:cs typeface="+mj-cs"/>
             </a:endParaRPr>
           </a:p>
           <a:p>
-            <a:pPr marL="0" marR="0" lvl="0" indent="0" algn="just" defTabSz="914400" rtl="0" eaLnBrk="1" fontAlgn="auto" latinLnBrk="0" hangingPunct="1">
-              <a:lnSpc>
-                <a:spcPct val="100000"/>
-              </a:lnSpc>
+            <a:pPr algn="just" defTabSz="5418465">
               <a:spcBef>
                 <a:spcPct val="0"/>
               </a:spcBef>
-              <a:spcAft>
-                <a:spcPts val="0"/>
-              </a:spcAft>
-              <a:buClrTx/>
-              <a:buSzTx/>
-              <a:buFontTx/>
-              <a:buNone/>
-              <a:tabLst/>
               <a:defRPr/>
             </a:pPr>
-            <a:endParaRPr lang="pt-BR" sz="2000" dirty="0" smtClean="0">
+            <a:endParaRPr lang="pt-BR" sz="11850" dirty="0">
               <a:latin typeface="+mj-lt"/>
               <a:ea typeface="+mj-ea"/>
               <a:cs typeface="+mj-cs"/>
             </a:endParaRPr>
           </a:p>
           <a:p>
-            <a:pPr marL="0" marR="0" lvl="0" indent="0" algn="just" defTabSz="914400" rtl="0" eaLnBrk="1" fontAlgn="auto" latinLnBrk="0" hangingPunct="1">
-              <a:lnSpc>
-                <a:spcPct val="100000"/>
-              </a:lnSpc>
+            <a:pPr algn="just" defTabSz="5418465">
               <a:spcBef>
                 <a:spcPct val="0"/>
               </a:spcBef>
-              <a:spcAft>
-                <a:spcPts val="0"/>
-              </a:spcAft>
-              <a:buClrTx/>
-              <a:buSzTx/>
-              <a:buFontTx/>
-              <a:buNone/>
-              <a:tabLst/>
               <a:defRPr/>
             </a:pPr>
-            <a:endParaRPr lang="pt-BR" sz="2000" dirty="0" smtClean="0">
+            <a:endParaRPr lang="pt-BR" sz="11850" dirty="0">
               <a:latin typeface="+mj-lt"/>
               <a:ea typeface="+mj-ea"/>
               <a:cs typeface="+mj-cs"/>
             </a:endParaRPr>
           </a:p>
           <a:p>
-            <a:pPr marL="0" marR="0" lvl="0" indent="0" algn="just" defTabSz="914400" rtl="0" eaLnBrk="1" fontAlgn="auto" latinLnBrk="0" hangingPunct="1">
-              <a:lnSpc>
-                <a:spcPct val="100000"/>
-              </a:lnSpc>
+            <a:pPr algn="just" defTabSz="5418465">
               <a:spcBef>
                 <a:spcPct val="0"/>
               </a:spcBef>
-              <a:spcAft>
-                <a:spcPts val="0"/>
-              </a:spcAft>
-              <a:buClrTx/>
-              <a:buSzTx/>
-              <a:buFontTx/>
-              <a:buNone/>
-              <a:tabLst/>
               <a:defRPr/>
             </a:pPr>
-            <a:endParaRPr lang="pt-BR" sz="2000" dirty="0" smtClean="0">
+            <a:endParaRPr lang="pt-BR" sz="11850" dirty="0">
               <a:latin typeface="+mj-lt"/>
               <a:ea typeface="+mj-ea"/>
               <a:cs typeface="+mj-cs"/>
             </a:endParaRPr>
           </a:p>
           <a:p>
-            <a:pPr marL="0" marR="0" lvl="0" indent="0" algn="just" defTabSz="914400" rtl="0" eaLnBrk="1" fontAlgn="auto" latinLnBrk="0" hangingPunct="1">
-              <a:lnSpc>
-                <a:spcPct val="100000"/>
-              </a:lnSpc>
+            <a:pPr algn="just" defTabSz="5418465">
               <a:spcBef>
                 <a:spcPct val="0"/>
               </a:spcBef>
-              <a:spcAft>
-                <a:spcPts val="0"/>
-              </a:spcAft>
-              <a:buClrTx/>
-              <a:buSzTx/>
-              <a:buFontTx/>
-              <a:buNone/>
-              <a:tabLst/>
               <a:defRPr/>
             </a:pPr>
-            <a:endParaRPr lang="pt-BR" sz="2000" dirty="0">
+            <a:endParaRPr lang="pt-BR" sz="11850" dirty="0">
               <a:latin typeface="+mj-lt"/>
               <a:ea typeface="+mj-ea"/>
               <a:cs typeface="+mj-cs"/>
             </a:endParaRPr>
           </a:p>
           <a:p>
-            <a:pPr marL="0" marR="0" lvl="0" indent="0" algn="just" defTabSz="914400" rtl="0" eaLnBrk="1" fontAlgn="auto" latinLnBrk="0" hangingPunct="1">
-              <a:lnSpc>
-                <a:spcPct val="100000"/>
-              </a:lnSpc>
+            <a:pPr algn="just" defTabSz="5418465">
               <a:spcBef>
                 <a:spcPct val="0"/>
               </a:spcBef>
-              <a:spcAft>
-                <a:spcPts val="0"/>
-              </a:spcAft>
-              <a:buClrTx/>
-              <a:buSzTx/>
-              <a:buFontTx/>
-              <a:buNone/>
-              <a:tabLst/>
               <a:defRPr/>
             </a:pPr>
-            <a:endParaRPr lang="pt-BR" sz="2000" dirty="0" smtClean="0">
+            <a:endParaRPr lang="pt-BR" sz="11850" dirty="0">
               <a:latin typeface="+mj-lt"/>
               <a:ea typeface="+mj-ea"/>
               <a:cs typeface="+mj-cs"/>
             </a:endParaRPr>
           </a:p>
           <a:p>
-            <a:pPr marL="0" marR="0" lvl="0" indent="0" algn="just" defTabSz="914400" rtl="0" eaLnBrk="1" fontAlgn="auto" latinLnBrk="0" hangingPunct="1">
-              <a:lnSpc>
-                <a:spcPct val="100000"/>
-              </a:lnSpc>
+            <a:pPr algn="just" defTabSz="5418465">
               <a:spcBef>
                 <a:spcPct val="0"/>
               </a:spcBef>
-              <a:spcAft>
-                <a:spcPts val="0"/>
-              </a:spcAft>
-              <a:buClrTx/>
-              <a:buSzTx/>
-              <a:buFontTx/>
-              <a:buNone/>
-              <a:tabLst/>
               <a:defRPr/>
             </a:pPr>
-            <a:endParaRPr lang="pt-BR" sz="2000" dirty="0">
+            <a:endParaRPr lang="pt-BR" sz="11850" dirty="0">
               <a:latin typeface="+mj-lt"/>
               <a:ea typeface="+mj-ea"/>
               <a:cs typeface="+mj-cs"/>
             </a:endParaRPr>
           </a:p>
           <a:p>
-            <a:pPr marL="0" marR="0" lvl="0" indent="0" algn="ctr" defTabSz="914400" rtl="0" eaLnBrk="1" fontAlgn="auto" latinLnBrk="0" hangingPunct="1">
-              <a:lnSpc>
-                <a:spcPct val="100000"/>
-              </a:lnSpc>
+            <a:pPr algn="ctr" defTabSz="5418465">
               <a:spcBef>
                 <a:spcPct val="0"/>
               </a:spcBef>
-              <a:spcAft>
-                <a:spcPts val="0"/>
-              </a:spcAft>
-              <a:buClrTx/>
-              <a:buSzTx/>
-              <a:buFontTx/>
-              <a:buNone/>
-              <a:tabLst/>
               <a:defRPr/>
             </a:pPr>
-            <a:endParaRPr lang="pt-BR" sz="2000" dirty="0">
+            <a:endParaRPr lang="pt-BR" sz="11850" dirty="0">
               <a:latin typeface="+mj-lt"/>
               <a:ea typeface="+mj-ea"/>
               <a:cs typeface="+mj-cs"/>
             </a:endParaRPr>
           </a:p>
           <a:p>
-            <a:pPr marL="0" marR="0" lvl="0" indent="0" algn="ctr" defTabSz="914400" rtl="0" eaLnBrk="1" fontAlgn="auto" latinLnBrk="0" hangingPunct="1">
-              <a:lnSpc>
-                <a:spcPct val="100000"/>
-              </a:lnSpc>
+            <a:pPr algn="ctr" defTabSz="5418465">
               <a:spcBef>
                 <a:spcPct val="0"/>
               </a:spcBef>
-              <a:spcAft>
-                <a:spcPts val="0"/>
-              </a:spcAft>
-              <a:buClrTx/>
-              <a:buSzTx/>
-              <a:buFontTx/>
-              <a:buNone/>
-              <a:tabLst/>
               <a:defRPr/>
             </a:pPr>
-            <a:endParaRPr lang="pt-BR" sz="2000" dirty="0" smtClean="0">
+            <a:endParaRPr lang="pt-BR" sz="11850" dirty="0">
               <a:latin typeface="+mj-lt"/>
               <a:ea typeface="+mj-ea"/>
               <a:cs typeface="+mj-cs"/>
@@ -3793,8 +3590,8 @@
         </p:nvSpPr>
         <p:spPr>
           <a:xfrm>
-            <a:off x="316541" y="8042986"/>
-            <a:ext cx="5878314" cy="584448"/>
+            <a:off x="3377538" y="47656503"/>
+            <a:ext cx="34830333" cy="3462986"/>
           </a:xfrm>
           <a:prstGeom prst="rect">
             <a:avLst/>
@@ -3804,68 +3601,51 @@
           </a:ln>
         </p:spPr>
         <p:txBody>
-          <a:bodyPr vert="horz" lIns="91440" tIns="45720" rIns="91440" bIns="45720" rtlCol="0" anchor="ctr">
+          <a:bodyPr vert="horz" lIns="541803" tIns="270901" rIns="541803" bIns="270901" rtlCol="0" anchor="ctr">
             <a:normAutofit/>
           </a:bodyPr>
           <a:lstStyle/>
           <a:p>
-            <a:pPr marL="0" marR="0" lvl="0" indent="0" algn="ctr" defTabSz="914400" rtl="0" eaLnBrk="1" fontAlgn="auto" latinLnBrk="0" hangingPunct="1">
-              <a:lnSpc>
-                <a:spcPct val="100000"/>
-              </a:lnSpc>
+            <a:pPr algn="ctr" defTabSz="5418465">
               <a:spcBef>
                 <a:spcPct val="0"/>
               </a:spcBef>
-              <a:spcAft>
-                <a:spcPts val="0"/>
-              </a:spcAft>
-              <a:buClrTx/>
-              <a:buSzTx/>
-              <a:buFontTx/>
-              <a:buNone/>
-              <a:tabLst/>
               <a:defRPr/>
             </a:pPr>
             <a:r>
-              <a:rPr lang="pt-BR" sz="1200" b="1" dirty="0" smtClean="0">
+              <a:rPr lang="pt-BR" sz="7110" b="1" dirty="0" smtClean="0">
                 <a:latin typeface="+mj-lt"/>
                 <a:ea typeface="+mj-ea"/>
                 <a:cs typeface="+mj-cs"/>
               </a:rPr>
-              <a:t>Análise e Desenvolvimento de Sistemas</a:t>
-            </a:r>
-            <a:endParaRPr lang="pt-BR" sz="1200" b="1" dirty="0">
+              <a:t>Cursos</a:t>
+            </a:r>
+            <a:endParaRPr lang="pt-BR" sz="7110" b="1" dirty="0">
               <a:latin typeface="+mj-lt"/>
               <a:ea typeface="+mj-ea"/>
               <a:cs typeface="+mj-cs"/>
             </a:endParaRPr>
           </a:p>
           <a:p>
-            <a:pPr marL="0" marR="0" lvl="0" indent="0" algn="ctr" defTabSz="914400" rtl="0" eaLnBrk="1" fontAlgn="auto" latinLnBrk="0" hangingPunct="1">
-              <a:lnSpc>
-                <a:spcPct val="100000"/>
-              </a:lnSpc>
+            <a:pPr algn="ctr" defTabSz="5418465">
               <a:spcBef>
                 <a:spcPct val="0"/>
               </a:spcBef>
-              <a:spcAft>
-                <a:spcPts val="0"/>
-              </a:spcAft>
-              <a:buClrTx/>
-              <a:buSzTx/>
-              <a:buFontTx/>
-              <a:buNone/>
-              <a:tabLst/>
               <a:defRPr/>
             </a:pPr>
             <a:r>
-              <a:rPr lang="pt-BR" sz="1200" b="1" dirty="0" smtClean="0">
+              <a:rPr lang="pt-BR" sz="7110" dirty="0" smtClean="0">
                 <a:latin typeface="+mj-lt"/>
                 <a:ea typeface="+mj-ea"/>
                 <a:cs typeface="+mj-cs"/>
               </a:rPr>
-              <a:t>Sistemas de Informação</a:t>
-            </a:r>
+              <a:t>Análise e Desenvolvimento de Sistemas – Sistemas de Informação</a:t>
+            </a:r>
+            <a:endParaRPr lang="pt-BR" sz="7110" dirty="0">
+              <a:latin typeface="+mj-lt"/>
+              <a:ea typeface="+mj-ea"/>
+              <a:cs typeface="+mj-cs"/>
+            </a:endParaRPr>
           </a:p>
         </p:txBody>
       </p:sp>
@@ -3891,8 +3671,8 @@
         </p:blipFill>
         <p:spPr>
           <a:xfrm>
-            <a:off x="114652" y="287934"/>
-            <a:ext cx="1436400" cy="1149120"/>
+            <a:off x="2181300" y="1706075"/>
+            <a:ext cx="9132321" cy="6808795"/>
           </a:xfrm>
           <a:prstGeom prst="rect">
             <a:avLst/>
@@ -3908,7 +3688,7 @@
           <p:nvPr/>
         </p:nvPicPr>
         <p:blipFill>
-          <a:blip r:embed="rId4" cstate="print">
+          <a:blip r:embed="rId4">
             <a:extLst>
               <a:ext uri="{28A0092B-C50C-407E-A947-70E740481C1C}">
                 <a14:useLocalDpi xmlns:a14="http://schemas.microsoft.com/office/drawing/2010/main" val="0"/>
@@ -3921,8 +3701,8 @@
         </p:blipFill>
         <p:spPr bwMode="auto">
           <a:xfrm>
-            <a:off x="345076" y="4810343"/>
-            <a:ext cx="2534971" cy="1335541"/>
+            <a:off x="1917612" y="38168614"/>
+            <a:ext cx="14592213" cy="7913381"/>
           </a:xfrm>
           <a:prstGeom prst="rect">
             <a:avLst/>
@@ -3954,14 +3734,14 @@
       </p:pic>
       <p:pic>
         <p:nvPicPr>
-          <p:cNvPr id="3" name="Picture 2"/>
+          <p:cNvPr id="1028" name="Picture 4"/>
           <p:cNvPicPr>
             <a:picLocks noChangeAspect="1" noChangeArrowheads="1"/>
           </p:cNvPicPr>
           <p:nvPr/>
         </p:nvPicPr>
         <p:blipFill>
-          <a:blip r:embed="rId5" cstate="print">
+          <a:blip r:embed="rId5">
             <a:extLst>
               <a:ext uri="{28A0092B-C50C-407E-A947-70E740481C1C}">
                 <a14:useLocalDpi xmlns:a14="http://schemas.microsoft.com/office/drawing/2010/main" val="0"/>
@@ -3974,48 +3754,8 @@
         </p:blipFill>
         <p:spPr bwMode="auto">
           <a:xfrm>
-            <a:off x="4826909" y="6541523"/>
-            <a:ext cx="1405912" cy="799358"/>
-          </a:xfrm>
-          <a:prstGeom prst="rect">
-            <a:avLst/>
-          </a:prstGeom>
-          <a:noFill/>
-          <a:extLst>
-            <a:ext uri="{909E8E84-426E-40DD-AFC4-6F175D3DCCD1}">
-              <a14:hiddenFill xmlns:a14="http://schemas.microsoft.com/office/drawing/2010/main">
-                <a:solidFill>
-                  <a:srgbClr val="FFFFFF"/>
-                </a:solidFill>
-              </a14:hiddenFill>
-            </a:ext>
-          </a:extLst>
-        </p:spPr>
-      </p:pic>
-      <p:pic>
-        <p:nvPicPr>
-          <p:cNvPr id="1028" name="Picture 4"/>
-          <p:cNvPicPr>
-            <a:picLocks noChangeAspect="1" noChangeArrowheads="1"/>
-          </p:cNvPicPr>
-          <p:nvPr/>
-        </p:nvPicPr>
-        <p:blipFill>
-          <a:blip r:embed="rId6" cstate="print">
-            <a:extLst>
-              <a:ext uri="{28A0092B-C50C-407E-A947-70E740481C1C}">
-                <a14:useLocalDpi xmlns:a14="http://schemas.microsoft.com/office/drawing/2010/main" val="0"/>
-              </a:ext>
-            </a:extLst>
-          </a:blip>
-          <a:stretch>
-            <a:fillRect/>
-          </a:stretch>
-        </p:blipFill>
-        <p:spPr bwMode="auto">
-          <a:xfrm>
-            <a:off x="3319008" y="5062295"/>
-            <a:ext cx="1361239" cy="808112"/>
+            <a:off x="1917612" y="28828527"/>
+            <a:ext cx="14592213" cy="7889416"/>
           </a:xfrm>
           <a:prstGeom prst="rect">
             <a:avLst/>
@@ -4050,8 +3790,8 @@
         </p:nvSpPr>
         <p:spPr>
           <a:xfrm>
-            <a:off x="4744911" y="5870406"/>
-            <a:ext cx="1487910" cy="215444"/>
+            <a:off x="17452468" y="35974000"/>
+            <a:ext cx="11070310" cy="821763"/>
           </a:xfrm>
           <a:prstGeom prst="rect">
             <a:avLst/>
@@ -4066,10 +3806,10 @@
           <a:p>
             <a:pPr algn="ctr"/>
             <a:r>
-              <a:rPr lang="pt-BR" sz="800" dirty="0" smtClean="0"/>
+              <a:rPr lang="pt-BR" sz="4740" dirty="0"/>
               <a:t>Empresas para análise</a:t>
             </a:r>
-            <a:endParaRPr lang="pt-BR" sz="800" dirty="0"/>
+            <a:endParaRPr lang="pt-BR" sz="4740" dirty="0"/>
           </a:p>
         </p:txBody>
       </p:sp>
@@ -4081,8 +3821,8 @@
         </p:nvSpPr>
         <p:spPr>
           <a:xfrm>
-            <a:off x="3319007" y="5870406"/>
-            <a:ext cx="1361239" cy="215444"/>
+            <a:off x="1706442" y="36815547"/>
+            <a:ext cx="15191265" cy="821763"/>
           </a:xfrm>
           <a:prstGeom prst="rect">
             <a:avLst/>
@@ -4095,11 +3835,12 @@
           </a:bodyPr>
           <a:lstStyle/>
           <a:p>
-            <a:r>
-              <a:rPr lang="pt-BR" sz="800" dirty="0" smtClean="0"/>
+            <a:pPr algn="ctr"/>
+            <a:r>
+              <a:rPr lang="pt-BR" sz="4740" dirty="0"/>
               <a:t>Gerenciador de indicadores</a:t>
             </a:r>
-            <a:endParaRPr lang="pt-BR" sz="800" dirty="0"/>
+            <a:endParaRPr lang="pt-BR" sz="4740" dirty="0"/>
           </a:p>
         </p:txBody>
       </p:sp>
@@ -4111,8 +3852,8 @@
         </p:nvSpPr>
         <p:spPr>
           <a:xfrm>
-            <a:off x="231362" y="2629932"/>
-            <a:ext cx="6048672" cy="2554545"/>
+            <a:off x="2872833" y="16591073"/>
+            <a:ext cx="35839743" cy="14680942"/>
           </a:xfrm>
           <a:prstGeom prst="rect">
             <a:avLst/>
@@ -4125,151 +3866,155 @@
           </a:bodyPr>
           <a:lstStyle/>
           <a:p>
-            <a:r>
-              <a:rPr lang="pt-BR" sz="1000" dirty="0" smtClean="0"/>
+            <a:pPr algn="ctr"/>
+            <a:r>
+              <a:rPr lang="pt-BR" sz="5925" dirty="0"/>
               <a:t>      O </a:t>
             </a:r>
             <a:r>
-              <a:rPr lang="pt-BR" sz="1000" dirty="0" err="1"/>
+              <a:rPr lang="pt-BR" sz="5925" dirty="0" err="1"/>
               <a:t>Analytics</a:t>
             </a:r>
             <a:r>
-              <a:rPr lang="pt-BR" sz="1000" dirty="0"/>
+              <a:rPr lang="pt-BR" sz="5925" dirty="0"/>
               <a:t> é um sistema que permite uma melhor visualização de dados de indicadores financeiros e econômicos obtidos junto a BM&amp;F Bovespa. O sistema é composto por dois módulos: um gerenciador, responsável por importar os dados da Bovespa e exportar em formato adequado para visualização pelo segundo módulo, visualizador de indicadores padrão web.</a:t>
             </a:r>
           </a:p>
           <a:p>
-            <a:r>
-              <a:rPr lang="pt-BR" sz="1000" dirty="0"/>
+            <a:pPr algn="ctr"/>
+            <a:r>
+              <a:rPr lang="pt-BR" sz="5925" dirty="0"/>
               <a:t> </a:t>
             </a:r>
             <a:r>
-              <a:rPr lang="pt-BR" sz="1000" dirty="0" smtClean="0"/>
+              <a:rPr lang="pt-BR" sz="5925" dirty="0"/>
               <a:t>      O </a:t>
             </a:r>
             <a:r>
-              <a:rPr lang="pt-BR" sz="1000" dirty="0"/>
+              <a:rPr lang="pt-BR" sz="5925" dirty="0"/>
               <a:t>sistema foi desenvolvido seguindo todos os padrões de documentação na etapa de análise do projeto, incluindo: análise de requisitos, caso de uso, diagrama de classes. Na manipulação de dados, foi usado o SGBD Oracle seguindo o modelo conceitual e lógico, desenvolvido pelos alunos. Além disso os indicadores analisados também permitiram que os alunos se aprofundassem na disciplina de custos e contabilidade. </a:t>
             </a:r>
-            <a:endParaRPr lang="pt-BR" sz="1000" dirty="0" smtClean="0"/>
-          </a:p>
-          <a:p>
-            <a:r>
-              <a:rPr lang="pt-BR" sz="1000" i="1" dirty="0" smtClean="0"/>
+            <a:endParaRPr lang="pt-BR" sz="5925" dirty="0"/>
+          </a:p>
+          <a:p>
+            <a:pPr algn="ctr"/>
+            <a:r>
+              <a:rPr lang="pt-BR" sz="5925" i="1" dirty="0"/>
               <a:t>      </a:t>
             </a:r>
             <a:r>
-              <a:rPr lang="pt-BR" sz="1000" b="1" i="1" dirty="0" smtClean="0"/>
+              <a:rPr lang="pt-BR" sz="5925" b="1" i="1" dirty="0"/>
               <a:t>Gerenciador </a:t>
             </a:r>
             <a:r>
-              <a:rPr lang="pt-BR" sz="1000" b="1" i="1" dirty="0"/>
+              <a:rPr lang="pt-BR" sz="5925" b="1" i="1" dirty="0"/>
               <a:t>de Indicadores </a:t>
             </a:r>
             <a:r>
-              <a:rPr lang="pt-BR" sz="1000" b="1" i="1" dirty="0" smtClean="0"/>
+              <a:rPr lang="pt-BR" sz="5925" b="1" i="1" dirty="0"/>
               <a:t>Financeiros:</a:t>
             </a:r>
             <a:r>
-              <a:rPr lang="pt-BR" sz="1000" dirty="0" smtClean="0"/>
+              <a:rPr lang="pt-BR" sz="5925" dirty="0"/>
               <a:t> Executa </a:t>
             </a:r>
             <a:r>
-              <a:rPr lang="pt-BR" sz="1000" dirty="0"/>
+              <a:rPr lang="pt-BR" sz="5925" dirty="0"/>
               <a:t>a </a:t>
             </a:r>
             <a:r>
-              <a:rPr lang="pt-BR" sz="1000" dirty="0" smtClean="0"/>
+              <a:rPr lang="pt-BR" sz="5925" dirty="0"/>
               <a:t>leitura </a:t>
             </a:r>
             <a:r>
-              <a:rPr lang="pt-BR" sz="1000" dirty="0"/>
+              <a:rPr lang="pt-BR" sz="5925" dirty="0"/>
               <a:t>dos </a:t>
             </a:r>
             <a:r>
-              <a:rPr lang="pt-BR" sz="1000" dirty="0" smtClean="0"/>
+              <a:rPr lang="pt-BR" sz="5925" dirty="0"/>
               <a:t>dados </a:t>
             </a:r>
             <a:r>
-              <a:rPr lang="pt-BR" sz="1000" dirty="0"/>
+              <a:rPr lang="pt-BR" sz="5925" dirty="0"/>
               <a:t>de Demonstrações Financeiras </a:t>
             </a:r>
             <a:r>
-              <a:rPr lang="pt-BR" sz="1000" dirty="0" smtClean="0"/>
+              <a:rPr lang="pt-BR" sz="5925" dirty="0"/>
               <a:t>para </a:t>
             </a:r>
             <a:r>
-              <a:rPr lang="pt-BR" sz="1000" dirty="0"/>
+              <a:rPr lang="pt-BR" sz="5925" dirty="0"/>
               <a:t>empresas listadas no site da Bovespa: </a:t>
             </a:r>
             <a:r>
-              <a:rPr lang="pt-BR" sz="1000" dirty="0" smtClean="0"/>
+              <a:rPr lang="pt-BR" sz="5925" dirty="0"/>
               <a:t>Demonstração do </a:t>
             </a:r>
             <a:r>
-              <a:rPr lang="pt-BR" sz="1000" dirty="0"/>
+              <a:rPr lang="pt-BR" sz="5925" dirty="0"/>
               <a:t>Resultado, Balanço Patrimonial Ativo, Balanço Patrimonial Passivo e exporta os dados em um arquivo </a:t>
             </a:r>
             <a:r>
-              <a:rPr lang="pt-BR" sz="1000" dirty="0" smtClean="0"/>
+              <a:rPr lang="pt-BR" sz="5925" dirty="0"/>
               <a:t>de </a:t>
             </a:r>
             <a:r>
-              <a:rPr lang="pt-BR" sz="1000" dirty="0"/>
+              <a:rPr lang="pt-BR" sz="5925" dirty="0"/>
               <a:t>formato JSON, sendo desenvolvido </a:t>
             </a:r>
             <a:r>
-              <a:rPr lang="pt-BR" sz="1000" dirty="0" smtClean="0"/>
+              <a:rPr lang="pt-BR" sz="5925" dirty="0"/>
               <a:t>em Java.</a:t>
             </a:r>
           </a:p>
           <a:p>
-            <a:r>
-              <a:rPr lang="pt-BR" sz="1000" i="1" dirty="0" smtClean="0"/>
+            <a:pPr algn="ctr"/>
+            <a:r>
+              <a:rPr lang="pt-BR" sz="5925" i="1" dirty="0"/>
               <a:t>     </a:t>
             </a:r>
             <a:r>
-              <a:rPr lang="pt-BR" sz="1000" b="1" i="1" dirty="0" smtClean="0"/>
+              <a:rPr lang="pt-BR" sz="5925" b="1" i="1" dirty="0"/>
               <a:t>Visualizador </a:t>
             </a:r>
             <a:r>
-              <a:rPr lang="pt-BR" sz="1000" b="1" i="1" dirty="0"/>
+              <a:rPr lang="pt-BR" sz="5925" b="1" i="1" dirty="0"/>
               <a:t>de Indicadores </a:t>
             </a:r>
             <a:r>
-              <a:rPr lang="pt-BR" sz="1000" b="1" i="1" dirty="0" smtClean="0"/>
+              <a:rPr lang="pt-BR" sz="5925" b="1" i="1" dirty="0"/>
               <a:t>Financeiros:</a:t>
             </a:r>
             <a:r>
-              <a:rPr lang="pt-BR" sz="1000" i="1" dirty="0" smtClean="0"/>
+              <a:rPr lang="pt-BR" sz="5925" i="1" dirty="0"/>
               <a:t> </a:t>
             </a:r>
             <a:r>
-              <a:rPr lang="pt-BR" sz="1000" dirty="0" smtClean="0"/>
+              <a:rPr lang="pt-BR" sz="5925" dirty="0"/>
               <a:t>Faz </a:t>
             </a:r>
             <a:r>
-              <a:rPr lang="pt-BR" sz="1000" dirty="0"/>
+              <a:rPr lang="pt-BR" sz="5925" dirty="0"/>
               <a:t>a análise dos indicadores financeiros a partir da visualização dos dados em formato </a:t>
             </a:r>
             <a:r>
-              <a:rPr lang="pt-BR" sz="1000" dirty="0" smtClean="0"/>
+              <a:rPr lang="pt-BR" sz="5925" dirty="0"/>
               <a:t>apropriado. Módulo </a:t>
             </a:r>
             <a:r>
-              <a:rPr lang="pt-BR" sz="1000" dirty="0"/>
+              <a:rPr lang="pt-BR" sz="5925" dirty="0"/>
               <a:t>web desenvolvido usando HTML, CSS e Java Script.</a:t>
             </a:r>
           </a:p>
           <a:p>
-            <a:endParaRPr lang="pt-BR" sz="1000" dirty="0"/>
-          </a:p>
-          <a:p>
-            <a:endParaRPr lang="pt-BR" sz="1000" dirty="0"/>
+            <a:endParaRPr lang="pt-BR" sz="5925" dirty="0"/>
+          </a:p>
+          <a:p>
+            <a:endParaRPr lang="pt-BR" sz="5925" dirty="0"/>
           </a:p>
           <a:p>
             <a:pPr algn="just"/>
-            <a:endParaRPr lang="pt-BR" sz="1000" dirty="0"/>
+            <a:endParaRPr lang="pt-BR" sz="5925" dirty="0"/>
           </a:p>
         </p:txBody>
       </p:sp>
@@ -4281,8 +4026,8 @@
         </p:nvSpPr>
         <p:spPr>
           <a:xfrm>
-            <a:off x="4826909" y="7463014"/>
-            <a:ext cx="1405912" cy="215444"/>
+            <a:off x="28826475" y="45299748"/>
+            <a:ext cx="11029235" cy="821763"/>
           </a:xfrm>
           <a:prstGeom prst="rect">
             <a:avLst/>
@@ -4295,24 +4040,87 @@
           </a:bodyPr>
           <a:lstStyle/>
           <a:p>
-            <a:r>
-              <a:rPr lang="pt-BR" sz="800" dirty="0" smtClean="0"/>
+            <a:pPr algn="ctr"/>
+            <a:r>
+              <a:rPr lang="pt-BR" sz="4740" dirty="0"/>
               <a:t>Indicadores de prazo médios</a:t>
             </a:r>
-            <a:endParaRPr lang="pt-BR" sz="800" dirty="0"/>
+            <a:endParaRPr lang="pt-BR" sz="4740" dirty="0"/>
+          </a:p>
+        </p:txBody>
+      </p:sp>
+      <p:sp>
+        <p:nvSpPr>
+          <p:cNvPr id="19" name="CaixaDeTexto 18"/>
+          <p:cNvSpPr txBox="1"/>
+          <p:nvPr/>
+        </p:nvSpPr>
+        <p:spPr>
+          <a:xfrm>
+            <a:off x="17452468" y="45299750"/>
+            <a:ext cx="11070310" cy="821761"/>
+          </a:xfrm>
+          <a:prstGeom prst="rect">
+            <a:avLst/>
+          </a:prstGeom>
+          <a:noFill/>
+        </p:spPr>
+        <p:txBody>
+          <a:bodyPr wrap="square" rtlCol="0">
+            <a:spAutoFit/>
+          </a:bodyPr>
+          <a:lstStyle/>
+          <a:p>
+            <a:pPr algn="ctr"/>
+            <a:r>
+              <a:rPr lang="pt-BR" sz="4740" dirty="0"/>
+              <a:t>Indicadores de liquidez</a:t>
+            </a:r>
+            <a:endParaRPr lang="pt-BR" sz="4740" dirty="0"/>
+          </a:p>
+        </p:txBody>
+      </p:sp>
+      <p:sp>
+        <p:nvSpPr>
+          <p:cNvPr id="20" name="CaixaDeTexto 19"/>
+          <p:cNvSpPr txBox="1"/>
+          <p:nvPr/>
+        </p:nvSpPr>
+        <p:spPr>
+          <a:xfrm>
+            <a:off x="4917863" y="46235852"/>
+            <a:ext cx="9173268" cy="821763"/>
+          </a:xfrm>
+          <a:prstGeom prst="rect">
+            <a:avLst/>
+          </a:prstGeom>
+          <a:noFill/>
+        </p:spPr>
+        <p:txBody>
+          <a:bodyPr wrap="square" rtlCol="0">
+            <a:spAutoFit/>
+          </a:bodyPr>
+          <a:lstStyle/>
+          <a:p>
+            <a:pPr algn="ctr"/>
+            <a:r>
+              <a:rPr lang="pt-BR" sz="4740" dirty="0"/>
+              <a:t>Indicadores de endividamento</a:t>
+            </a:r>
+            <a:endParaRPr lang="pt-BR" sz="4740" dirty="0"/>
           </a:p>
         </p:txBody>
       </p:sp>
       <p:pic>
         <p:nvPicPr>
-          <p:cNvPr id="2" name="Picture 2"/>
+          <p:cNvPr id="22" name="Picture 2"/>
           <p:cNvPicPr>
             <a:picLocks noChangeAspect="1" noChangeArrowheads="1"/>
           </p:cNvPicPr>
           <p:nvPr/>
         </p:nvPicPr>
         <p:blipFill>
-          <a:blip r:embed="rId7" cstate="print">
+          <a:blip r:embed="rId6">
             <a:extLst>
               <a:ext uri="{28A0092B-C50C-407E-A947-70E740481C1C}">
                 <a14:useLocalDpi xmlns:a14="http://schemas.microsoft.com/office/drawing/2010/main" val="0"/>
@@ -4325,8 +4133,8 @@
         </p:blipFill>
         <p:spPr bwMode="auto">
           <a:xfrm>
-            <a:off x="3319007" y="6541524"/>
-            <a:ext cx="1361239" cy="799357"/>
+            <a:off x="17821812" y="29984637"/>
+            <a:ext cx="10331622" cy="5805388"/>
           </a:xfrm>
           <a:prstGeom prst="rect">
             <a:avLst/>
@@ -4343,6 +4151,37 @@
           </a:extLst>
         </p:spPr>
       </p:pic>
+      <p:sp>
+        <p:nvSpPr>
+          <p:cNvPr id="23" name="CaixaDeTexto 22"/>
+          <p:cNvSpPr txBox="1"/>
+          <p:nvPr/>
+        </p:nvSpPr>
+        <p:spPr>
+          <a:xfrm>
+            <a:off x="28787184" y="36082724"/>
+            <a:ext cx="11068526" cy="821763"/>
+          </a:xfrm>
+          <a:prstGeom prst="rect">
+            <a:avLst/>
+          </a:prstGeom>
+          <a:noFill/>
+        </p:spPr>
+        <p:txBody>
+          <a:bodyPr wrap="square" rtlCol="0">
+            <a:spAutoFit/>
+          </a:bodyPr>
+          <a:lstStyle/>
+          <a:p>
+            <a:pPr algn="ctr"/>
+            <a:r>
+              <a:rPr lang="pt-BR" sz="4740" dirty="0"/>
+              <a:t>Indicadores de rentabilidade</a:t>
+            </a:r>
+            <a:endParaRPr lang="pt-BR" sz="4740" dirty="0"/>
+          </a:p>
+        </p:txBody>
+      </p:sp>
       <p:pic>
         <p:nvPicPr>
           <p:cNvPr id="17" name="Picture 5"/>
@@ -4352,7 +4191,7 @@
           <p:nvPr/>
         </p:nvPicPr>
         <p:blipFill>
-          <a:blip r:embed="rId8" cstate="print">
+          <a:blip r:embed="rId7">
             <a:extLst>
               <a:ext uri="{28A0092B-C50C-407E-A947-70E740481C1C}">
                 <a14:useLocalDpi xmlns:a14="http://schemas.microsoft.com/office/drawing/2010/main" val="0"/>
@@ -4365,8 +4204,8 @@
         </p:blipFill>
         <p:spPr bwMode="auto">
           <a:xfrm>
-            <a:off x="345076" y="6408613"/>
-            <a:ext cx="2534971" cy="1364659"/>
+            <a:off x="29164209" y="29984637"/>
+            <a:ext cx="10316259" cy="5878582"/>
           </a:xfrm>
           <a:prstGeom prst="rect">
             <a:avLst/>
@@ -4396,76 +4235,16 @@
           </a:extLst>
         </p:spPr>
       </p:pic>
-      <p:sp>
-        <p:nvSpPr>
-          <p:cNvPr id="19" name="CaixaDeTexto 18"/>
-          <p:cNvSpPr txBox="1"/>
-          <p:nvPr/>
-        </p:nvSpPr>
-        <p:spPr>
-          <a:xfrm>
-            <a:off x="3384103" y="7463014"/>
-            <a:ext cx="1296143" cy="215444"/>
-          </a:xfrm>
-          <a:prstGeom prst="rect">
-            <a:avLst/>
-          </a:prstGeom>
-          <a:noFill/>
-        </p:spPr>
-        <p:txBody>
-          <a:bodyPr wrap="square" rtlCol="0">
-            <a:spAutoFit/>
-          </a:bodyPr>
-          <a:lstStyle/>
-          <a:p>
-            <a:r>
-              <a:rPr lang="pt-BR" sz="800" dirty="0" smtClean="0"/>
-              <a:t>Indicadores de liquidez</a:t>
-            </a:r>
-            <a:endParaRPr lang="pt-BR" sz="800" dirty="0"/>
-          </a:p>
-        </p:txBody>
-      </p:sp>
-      <p:sp>
-        <p:nvSpPr>
-          <p:cNvPr id="20" name="CaixaDeTexto 19"/>
-          <p:cNvSpPr txBox="1"/>
-          <p:nvPr/>
-        </p:nvSpPr>
-        <p:spPr>
-          <a:xfrm>
-            <a:off x="869909" y="6171854"/>
-            <a:ext cx="1548172" cy="215444"/>
-          </a:xfrm>
-          <a:prstGeom prst="rect">
-            <a:avLst/>
-          </a:prstGeom>
-          <a:noFill/>
-        </p:spPr>
-        <p:txBody>
-          <a:bodyPr wrap="square" rtlCol="0">
-            <a:spAutoFit/>
-          </a:bodyPr>
-          <a:lstStyle/>
-          <a:p>
-            <a:r>
-              <a:rPr lang="pt-BR" sz="800" dirty="0" smtClean="0"/>
-              <a:t>Indicadores de endividamento</a:t>
-            </a:r>
-            <a:endParaRPr lang="pt-BR" sz="800" dirty="0"/>
-          </a:p>
-        </p:txBody>
-      </p:sp>
       <p:pic>
         <p:nvPicPr>
-          <p:cNvPr id="22" name="Picture 2"/>
+          <p:cNvPr id="2" name="Picture 2"/>
           <p:cNvPicPr>
             <a:picLocks noChangeAspect="1" noChangeArrowheads="1"/>
           </p:cNvPicPr>
           <p:nvPr/>
         </p:nvPicPr>
         <p:blipFill>
-          <a:blip r:embed="rId9" cstate="print">
+          <a:blip r:embed="rId8">
             <a:extLst>
               <a:ext uri="{28A0092B-C50C-407E-A947-70E740481C1C}">
                 <a14:useLocalDpi xmlns:a14="http://schemas.microsoft.com/office/drawing/2010/main" val="0"/>
@@ -4478,8 +4257,8 @@
         </p:blipFill>
         <p:spPr bwMode="auto">
           <a:xfrm>
-            <a:off x="4807831" y="5062294"/>
-            <a:ext cx="1361239" cy="808111"/>
+            <a:off x="17843632" y="39117360"/>
+            <a:ext cx="10289765" cy="5867844"/>
           </a:xfrm>
           <a:prstGeom prst="rect">
             <a:avLst/>
@@ -4496,36 +4275,46 @@
           </a:extLst>
         </p:spPr>
       </p:pic>
-      <p:sp>
-        <p:nvSpPr>
-          <p:cNvPr id="23" name="CaixaDeTexto 22"/>
-          <p:cNvSpPr txBox="1"/>
+      <p:pic>
+        <p:nvPicPr>
+          <p:cNvPr id="3" name="Picture 2"/>
+          <p:cNvPicPr>
+            <a:picLocks noChangeAspect="1" noChangeArrowheads="1"/>
+          </p:cNvPicPr>
           <p:nvPr/>
-        </p:nvSpPr>
-        <p:spPr>
+        </p:nvPicPr>
+        <p:blipFill>
+          <a:blip r:embed="rId9">
+            <a:extLst>
+              <a:ext uri="{28A0092B-C50C-407E-A947-70E740481C1C}">
+                <a14:useLocalDpi xmlns:a14="http://schemas.microsoft.com/office/drawing/2010/main" val="0"/>
+              </a:ext>
+            </a:extLst>
+          </a:blip>
+          <a:stretch>
+            <a:fillRect/>
+          </a:stretch>
+        </p:blipFill>
+        <p:spPr bwMode="auto">
           <a:xfrm>
-            <a:off x="935831" y="7789359"/>
-            <a:ext cx="1548172" cy="215444"/>
+            <a:off x="29237135" y="39123569"/>
+            <a:ext cx="10207915" cy="5821168"/>
           </a:xfrm>
           <a:prstGeom prst="rect">
             <a:avLst/>
           </a:prstGeom>
           <a:noFill/>
+          <a:extLst>
+            <a:ext uri="{909E8E84-426E-40DD-AFC4-6F175D3DCCD1}">
+              <a14:hiddenFill xmlns:a14="http://schemas.microsoft.com/office/drawing/2010/main">
+                <a:solidFill>
+                  <a:srgbClr val="FFFFFF"/>
+                </a:solidFill>
+              </a14:hiddenFill>
+            </a:ext>
+          </a:extLst>
         </p:spPr>
-        <p:txBody>
-          <a:bodyPr wrap="square" rtlCol="0">
-            <a:spAutoFit/>
-          </a:bodyPr>
-          <a:lstStyle/>
-          <a:p>
-            <a:r>
-              <a:rPr lang="pt-BR" sz="800" dirty="0" smtClean="0"/>
-              <a:t>Indicadores de rentabilidade</a:t>
-            </a:r>
-            <a:endParaRPr lang="pt-BR" sz="800" dirty="0"/>
-          </a:p>
-        </p:txBody>
-      </p:sp>
+      </p:pic>
     </p:spTree>
   </p:cSld>
   <p:clrMapOvr>
@@ -4826,6 +4615,27 @@
 
 <file path=customXml/item1.xml><?xml version="1.0" encoding="utf-8"?>
 <?mso-contentType ?>
+<FormTemplates xmlns="http://schemas.microsoft.com/sharepoint/v3/contenttype/forms">
+  <Display>DocumentLibraryForm</Display>
+  <Edit>DocumentLibraryForm</Edit>
+  <New>DocumentLibraryForm</New>
+</FormTemplates>
+</file>
+
+<file path=customXml/item2.xml><?xml version="1.0" encoding="utf-8"?>
+<p:properties xmlns:p="http://schemas.microsoft.com/office/2006/metadata/properties" xmlns:xsi="http://www.w3.org/2001/XMLSchema-instance" xmlns:pc="http://schemas.microsoft.com/office/infopath/2007/PartnerControls">
+  <documentManagement>
+    <_dlc_DocId xmlns="8eed6cbe-9df3-4c1b-a9c8-e4f8386e864e">7H3NKEDS7XJ4-1944-11</_dlc_DocId>
+    <_dlc_DocIdUrl xmlns="8eed6cbe-9df3-4c1b-a9c8-e4f8386e864e">
+      <Url>https://ww1.ucl.br/disciplinas/PI-Inf-II/_layouts/DocIdRedir.aspx?ID=7H3NKEDS7XJ4-1944-11</Url>
+      <Description>7H3NKEDS7XJ4-1944-11</Description>
+    </_dlc_DocIdUrl>
+  </documentManagement>
+</p:properties>
+</file>
+
+<file path=customXml/item3.xml><?xml version="1.0" encoding="utf-8"?>
+<?mso-contentType ?>
 <spe:Receivers xmlns:spe="http://schemas.microsoft.com/sharepoint/events">
   <Receiver>
     <Name>Document ID Generator</Name>
@@ -4868,27 +4678,6 @@
     <Filter/>
   </Receiver>
 </spe:Receivers>
-</file>
-
-<file path=customXml/item2.xml><?xml version="1.0" encoding="utf-8"?>
-<p:properties xmlns:p="http://schemas.microsoft.com/office/2006/metadata/properties" xmlns:xsi="http://www.w3.org/2001/XMLSchema-instance" xmlns:pc="http://schemas.microsoft.com/office/infopath/2007/PartnerControls">
-  <documentManagement>
-    <_dlc_DocId xmlns="8eed6cbe-9df3-4c1b-a9c8-e4f8386e864e">7H3NKEDS7XJ4-1944-11</_dlc_DocId>
-    <_dlc_DocIdUrl xmlns="8eed6cbe-9df3-4c1b-a9c8-e4f8386e864e">
-      <Url>https://ww1.ucl.br/disciplinas/PI-Inf-II/_layouts/DocIdRedir.aspx?ID=7H3NKEDS7XJ4-1944-11</Url>
-      <Description>7H3NKEDS7XJ4-1944-11</Description>
-    </_dlc_DocIdUrl>
-  </documentManagement>
-</p:properties>
-</file>
-
-<file path=customXml/item3.xml><?xml version="1.0" encoding="utf-8"?>
-<?mso-contentType ?>
-<FormTemplates xmlns="http://schemas.microsoft.com/sharepoint/v3/contenttype/forms">
-  <Display>DocumentLibraryForm</Display>
-  <Edit>DocumentLibraryForm</Edit>
-  <New>DocumentLibraryForm</New>
-</FormTemplates>
 </file>
 
 <file path=customXml/item4.xml><?xml version="1.0" encoding="utf-8"?>
@@ -5037,9 +4826,9 @@
 </file>
 
 <file path=customXml/itemProps1.xml><?xml version="1.0" encoding="utf-8"?>
-<ds:datastoreItem xmlns:ds="http://schemas.openxmlformats.org/officeDocument/2006/customXml" ds:itemID="{C6177EEE-C707-4669-8ADC-08FDAECCA4F4}">
+<ds:datastoreItem xmlns:ds="http://schemas.openxmlformats.org/officeDocument/2006/customXml" ds:itemID="{8B776357-4776-4E41-A5C3-B6EC0DE5966D}">
   <ds:schemaRefs>
-    <ds:schemaRef ds:uri="http://schemas.microsoft.com/sharepoint/events"/>
+    <ds:schemaRef ds:uri="http://schemas.microsoft.com/sharepoint/v3/contenttype/forms"/>
   </ds:schemaRefs>
 </ds:datastoreItem>
 </file>
@@ -5047,23 +4836,23 @@
 <file path=customXml/itemProps2.xml><?xml version="1.0" encoding="utf-8"?>
 <ds:datastoreItem xmlns:ds="http://schemas.openxmlformats.org/officeDocument/2006/customXml" ds:itemID="{81EFF5A4-953C-444B-A998-23B41579B01C}">
   <ds:schemaRefs>
+    <ds:schemaRef ds:uri="http://www.w3.org/XML/1998/namespace"/>
+    <ds:schemaRef ds:uri="http://schemas.microsoft.com/office/2006/documentManagement/types"/>
+    <ds:schemaRef ds:uri="http://schemas.openxmlformats.org/package/2006/metadata/core-properties"/>
+    <ds:schemaRef ds:uri="8eed6cbe-9df3-4c1b-a9c8-e4f8386e864e"/>
+    <ds:schemaRef ds:uri="http://purl.org/dc/elements/1.1/"/>
+    <ds:schemaRef ds:uri="http://schemas.microsoft.com/office/infopath/2007/PartnerControls"/>
+    <ds:schemaRef ds:uri="http://schemas.microsoft.com/office/2006/metadata/properties"/>
+    <ds:schemaRef ds:uri="http://purl.org/dc/dcmitype/"/>
     <ds:schemaRef ds:uri="http://purl.org/dc/terms/"/>
-    <ds:schemaRef ds:uri="http://schemas.microsoft.com/office/2006/metadata/properties"/>
-    <ds:schemaRef ds:uri="http://purl.org/dc/elements/1.1/"/>
-    <ds:schemaRef ds:uri="http://purl.org/dc/dcmitype/"/>
-    <ds:schemaRef ds:uri="8eed6cbe-9df3-4c1b-a9c8-e4f8386e864e"/>
-    <ds:schemaRef ds:uri="http://schemas.microsoft.com/office/2006/documentManagement/types"/>
-    <ds:schemaRef ds:uri="http://schemas.microsoft.com/office/infopath/2007/PartnerControls"/>
-    <ds:schemaRef ds:uri="http://schemas.openxmlformats.org/package/2006/metadata/core-properties"/>
-    <ds:schemaRef ds:uri="http://www.w3.org/XML/1998/namespace"/>
   </ds:schemaRefs>
 </ds:datastoreItem>
 </file>
 
 <file path=customXml/itemProps3.xml><?xml version="1.0" encoding="utf-8"?>
-<ds:datastoreItem xmlns:ds="http://schemas.openxmlformats.org/officeDocument/2006/customXml" ds:itemID="{8B776357-4776-4E41-A5C3-B6EC0DE5966D}">
+<ds:datastoreItem xmlns:ds="http://schemas.openxmlformats.org/officeDocument/2006/customXml" ds:itemID="{C6177EEE-C707-4669-8ADC-08FDAECCA4F4}">
   <ds:schemaRefs>
-    <ds:schemaRef ds:uri="http://schemas.microsoft.com/sharepoint/v3/contenttype/forms"/>
+    <ds:schemaRef ds:uri="http://schemas.microsoft.com/sharepoint/events"/>
   </ds:schemaRefs>
 </ds:datastoreItem>
 </file>
